--- a/NHS - Gentrification in the City of Chicago.pptx
+++ b/NHS - Gentrification in the City of Chicago.pptx
@@ -5,10 +5,10 @@
     <p:sldMasterId id="2147483996" r:id="rId4"/>
   </p:sldMasterIdLst>
   <p:notesMasterIdLst>
-    <p:notesMasterId r:id="rId33"/>
+    <p:notesMasterId r:id="rId34"/>
   </p:notesMasterIdLst>
   <p:handoutMasterIdLst>
-    <p:handoutMasterId r:id="rId34"/>
+    <p:handoutMasterId r:id="rId35"/>
   </p:handoutMasterIdLst>
   <p:sldIdLst>
     <p:sldId id="567" r:id="rId5"/>
@@ -29,16 +29,17 @@
     <p:sldId id="632" r:id="rId20"/>
     <p:sldId id="616" r:id="rId21"/>
     <p:sldId id="617" r:id="rId22"/>
-    <p:sldId id="633" r:id="rId23"/>
-    <p:sldId id="634" r:id="rId24"/>
-    <p:sldId id="618" r:id="rId25"/>
-    <p:sldId id="635" r:id="rId26"/>
-    <p:sldId id="636" r:id="rId27"/>
-    <p:sldId id="637" r:id="rId28"/>
-    <p:sldId id="619" r:id="rId29"/>
-    <p:sldId id="638" r:id="rId30"/>
-    <p:sldId id="639" r:id="rId31"/>
-    <p:sldId id="599" r:id="rId32"/>
+    <p:sldId id="640" r:id="rId23"/>
+    <p:sldId id="633" r:id="rId24"/>
+    <p:sldId id="634" r:id="rId25"/>
+    <p:sldId id="618" r:id="rId26"/>
+    <p:sldId id="635" r:id="rId27"/>
+    <p:sldId id="636" r:id="rId28"/>
+    <p:sldId id="637" r:id="rId29"/>
+    <p:sldId id="619" r:id="rId30"/>
+    <p:sldId id="638" r:id="rId31"/>
+    <p:sldId id="639" r:id="rId32"/>
+    <p:sldId id="599" r:id="rId33"/>
   </p:sldIdLst>
   <p:sldSz cx="9144000" cy="6858000" type="screen4x3"/>
   <p:notesSz cx="7010400" cy="9296400"/>
@@ -159,7 +160,7 @@
 <file path=ppt/revisionInfo.xml><?xml version="1.0" encoding="utf-8"?>
 <p1510:revInfo xmlns:a="http://schemas.openxmlformats.org/drawingml/2006/main" xmlns:r="http://schemas.openxmlformats.org/officeDocument/2006/relationships" xmlns:p1510="http://schemas.microsoft.com/office/powerpoint/2015/10/main">
   <p1510:revLst>
-    <p1510:client id="{3A6C5D9A-ED86-4082-ACC3-B7CC60ECAA91}" v="51" dt="2020-09-16T18:00:54.096"/>
+    <p1510:client id="{3A6C5D9A-ED86-4082-ACC3-B7CC60ECAA91}" v="74" dt="2020-09-16T19:58:35.964"/>
   </p1510:revLst>
 </p1510:revInfo>
 </file>
@@ -169,7 +170,7 @@
   <pc:docChgLst>
     <pc:chgData name="Fernando García" userId="f80c962edb5cdc05" providerId="LiveId" clId="{3A6C5D9A-ED86-4082-ACC3-B7CC60ECAA91}"/>
     <pc:docChg chg="undo custSel addSld delSld modSld sldOrd">
-      <pc:chgData name="Fernando García" userId="f80c962edb5cdc05" providerId="LiveId" clId="{3A6C5D9A-ED86-4082-ACC3-B7CC60ECAA91}" dt="2020-09-16T18:02:04.289" v="3353" actId="20577"/>
+      <pc:chgData name="Fernando García" userId="f80c962edb5cdc05" providerId="LiveId" clId="{3A6C5D9A-ED86-4082-ACC3-B7CC60ECAA91}" dt="2020-09-16T19:59:06.345" v="4038" actId="20577"/>
       <pc:docMkLst>
         <pc:docMk/>
       </pc:docMkLst>
@@ -267,6 +268,21 @@
           <pc:sldMk cId="3192145351" sldId="591"/>
         </pc:sldMkLst>
       </pc:sldChg>
+      <pc:sldChg chg="modSp mod">
+        <pc:chgData name="Fernando García" userId="f80c962edb5cdc05" providerId="LiveId" clId="{3A6C5D9A-ED86-4082-ACC3-B7CC60ECAA91}" dt="2020-09-16T19:59:06.345" v="4038" actId="20577"/>
+        <pc:sldMkLst>
+          <pc:docMk/>
+          <pc:sldMk cId="592425236" sldId="599"/>
+        </pc:sldMkLst>
+        <pc:spChg chg="mod">
+          <ac:chgData name="Fernando García" userId="f80c962edb5cdc05" providerId="LiveId" clId="{3A6C5D9A-ED86-4082-ACC3-B7CC60ECAA91}" dt="2020-09-16T19:59:06.345" v="4038" actId="20577"/>
+          <ac:spMkLst>
+            <pc:docMk/>
+            <pc:sldMk cId="592425236" sldId="599"/>
+            <ac:spMk id="5" creationId="{00000000-0000-0000-0000-000000000000}"/>
+          </ac:spMkLst>
+        </pc:spChg>
+      </pc:sldChg>
       <pc:sldChg chg="del">
         <pc:chgData name="Fernando García" userId="f80c962edb5cdc05" providerId="LiveId" clId="{3A6C5D9A-ED86-4082-ACC3-B7CC60ECAA91}" dt="2020-09-16T18:01:32.110" v="3312" actId="47"/>
         <pc:sldMkLst>
@@ -282,7 +298,7 @@
         </pc:sldMkLst>
       </pc:sldChg>
       <pc:sldChg chg="addSp delSp modSp mod">
-        <pc:chgData name="Fernando García" userId="f80c962edb5cdc05" providerId="LiveId" clId="{3A6C5D9A-ED86-4082-ACC3-B7CC60ECAA91}" dt="2020-09-16T17:39:55.869" v="2646" actId="20577"/>
+        <pc:chgData name="Fernando García" userId="f80c962edb5cdc05" providerId="LiveId" clId="{3A6C5D9A-ED86-4082-ACC3-B7CC60ECAA91}" dt="2020-09-16T18:23:57.280" v="3354" actId="20577"/>
         <pc:sldMkLst>
           <pc:docMk/>
           <pc:sldMk cId="2742356967" sldId="608"/>
@@ -320,7 +336,7 @@
           </ac:spMkLst>
         </pc:spChg>
         <pc:spChg chg="add mod">
-          <ac:chgData name="Fernando García" userId="f80c962edb5cdc05" providerId="LiveId" clId="{3A6C5D9A-ED86-4082-ACC3-B7CC60ECAA91}" dt="2020-09-16T17:39:55.869" v="2646" actId="20577"/>
+          <ac:chgData name="Fernando García" userId="f80c962edb5cdc05" providerId="LiveId" clId="{3A6C5D9A-ED86-4082-ACC3-B7CC60ECAA91}" dt="2020-09-16T18:23:57.280" v="3354" actId="20577"/>
           <ac:spMkLst>
             <pc:docMk/>
             <pc:sldMk cId="2742356967" sldId="608"/>
@@ -374,13 +390,13 @@
         </pc:sldMkLst>
       </pc:sldChg>
       <pc:sldChg chg="addSp delSp modSp add mod">
-        <pc:chgData name="Fernando García" userId="f80c962edb5cdc05" providerId="LiveId" clId="{3A6C5D9A-ED86-4082-ACC3-B7CC60ECAA91}" dt="2020-09-16T17:54:22.012" v="3119" actId="20577"/>
+        <pc:chgData name="Fernando García" userId="f80c962edb5cdc05" providerId="LiveId" clId="{3A6C5D9A-ED86-4082-ACC3-B7CC60ECAA91}" dt="2020-09-16T19:48:38.148" v="3645" actId="27636"/>
         <pc:sldMkLst>
           <pc:docMk/>
           <pc:sldMk cId="1653282288" sldId="612"/>
         </pc:sldMkLst>
         <pc:spChg chg="mod">
-          <ac:chgData name="Fernando García" userId="f80c962edb5cdc05" providerId="LiveId" clId="{3A6C5D9A-ED86-4082-ACC3-B7CC60ECAA91}" dt="2020-09-16T17:54:22.012" v="3119" actId="20577"/>
+          <ac:chgData name="Fernando García" userId="f80c962edb5cdc05" providerId="LiveId" clId="{3A6C5D9A-ED86-4082-ACC3-B7CC60ECAA91}" dt="2020-09-16T19:48:38.148" v="3645" actId="27636"/>
           <ac:spMkLst>
             <pc:docMk/>
             <pc:sldMk cId="1653282288" sldId="612"/>
@@ -403,12 +419,20 @@
             <ac:spMk id="11" creationId="{4B26A022-9C5A-4544-99B8-3297A082962C}"/>
           </ac:spMkLst>
         </pc:spChg>
-        <pc:spChg chg="add mod">
-          <ac:chgData name="Fernando García" userId="f80c962edb5cdc05" providerId="LiveId" clId="{3A6C5D9A-ED86-4082-ACC3-B7CC60ECAA91}" dt="2020-09-16T15:04:36.361" v="1843" actId="20577"/>
+        <pc:spChg chg="add del mod">
+          <ac:chgData name="Fernando García" userId="f80c962edb5cdc05" providerId="LiveId" clId="{3A6C5D9A-ED86-4082-ACC3-B7CC60ECAA91}" dt="2020-09-16T19:48:30.221" v="3643" actId="20577"/>
           <ac:spMkLst>
             <pc:docMk/>
             <pc:sldMk cId="1653282288" sldId="612"/>
             <ac:spMk id="13" creationId="{31910868-8690-4893-B380-5A96A0E45657}"/>
+          </ac:spMkLst>
+        </pc:spChg>
+        <pc:spChg chg="add mod">
+          <ac:chgData name="Fernando García" userId="f80c962edb5cdc05" providerId="LiveId" clId="{3A6C5D9A-ED86-4082-ACC3-B7CC60ECAA91}" dt="2020-09-16T19:48:20.893" v="3635" actId="1037"/>
+          <ac:spMkLst>
+            <pc:docMk/>
+            <pc:sldMk cId="1653282288" sldId="612"/>
+            <ac:spMk id="15" creationId="{4DEDF15B-0939-412D-A003-AEC27DA9FD72}"/>
           </ac:spMkLst>
         </pc:spChg>
         <pc:picChg chg="add mod modCrop">
@@ -460,7 +484,7 @@
         </pc:sldMkLst>
       </pc:sldChg>
       <pc:sldChg chg="addSp delSp modSp add mod ord">
-        <pc:chgData name="Fernando García" userId="f80c962edb5cdc05" providerId="LiveId" clId="{3A6C5D9A-ED86-4082-ACC3-B7CC60ECAA91}" dt="2020-09-16T17:44:08.995" v="2802" actId="478"/>
+        <pc:chgData name="Fernando García" userId="f80c962edb5cdc05" providerId="LiveId" clId="{3A6C5D9A-ED86-4082-ACC3-B7CC60ECAA91}" dt="2020-09-16T18:37:29.140" v="3405" actId="1036"/>
         <pc:sldMkLst>
           <pc:docMk/>
           <pc:sldMk cId="1568023601" sldId="613"/>
@@ -482,7 +506,7 @@
           </ac:spMkLst>
         </pc:spChg>
         <pc:spChg chg="add mod">
-          <ac:chgData name="Fernando García" userId="f80c962edb5cdc05" providerId="LiveId" clId="{3A6C5D9A-ED86-4082-ACC3-B7CC60ECAA91}" dt="2020-09-16T17:42:58.444" v="2741" actId="20577"/>
+          <ac:chgData name="Fernando García" userId="f80c962edb5cdc05" providerId="LiveId" clId="{3A6C5D9A-ED86-4082-ACC3-B7CC60ECAA91}" dt="2020-09-16T18:37:29.140" v="3405" actId="1036"/>
           <ac:spMkLst>
             <pc:docMk/>
             <pc:sldMk cId="1568023601" sldId="613"/>
@@ -498,7 +522,7 @@
           </ac:spMkLst>
         </pc:spChg>
         <pc:spChg chg="add mod">
-          <ac:chgData name="Fernando García" userId="f80c962edb5cdc05" providerId="LiveId" clId="{3A6C5D9A-ED86-4082-ACC3-B7CC60ECAA91}" dt="2020-09-16T14:08:34.111" v="1239" actId="6549"/>
+          <ac:chgData name="Fernando García" userId="f80c962edb5cdc05" providerId="LiveId" clId="{3A6C5D9A-ED86-4082-ACC3-B7CC60ECAA91}" dt="2020-09-16T18:37:25.682" v="3403" actId="1036"/>
           <ac:spMkLst>
             <pc:docMk/>
             <pc:sldMk cId="1568023601" sldId="613"/>
@@ -514,7 +538,7 @@
           </ac:picMkLst>
         </pc:picChg>
         <pc:picChg chg="add mod modCrop">
-          <ac:chgData name="Fernando García" userId="f80c962edb5cdc05" providerId="LiveId" clId="{3A6C5D9A-ED86-4082-ACC3-B7CC60ECAA91}" dt="2020-09-15T22:55:09.163" v="755" actId="1036"/>
+          <ac:chgData name="Fernando García" userId="f80c962edb5cdc05" providerId="LiveId" clId="{3A6C5D9A-ED86-4082-ACC3-B7CC60ECAA91}" dt="2020-09-16T18:37:19.279" v="3401" actId="1076"/>
           <ac:picMkLst>
             <pc:docMk/>
             <pc:sldMk cId="1568023601" sldId="613"/>
@@ -554,7 +578,7 @@
         </pc:sldMkLst>
       </pc:sldChg>
       <pc:sldChg chg="addSp delSp modSp add mod">
-        <pc:chgData name="Fernando García" userId="f80c962edb5cdc05" providerId="LiveId" clId="{3A6C5D9A-ED86-4082-ACC3-B7CC60ECAA91}" dt="2020-09-16T15:05:54.767" v="1848" actId="6549"/>
+        <pc:chgData name="Fernando García" userId="f80c962edb5cdc05" providerId="LiveId" clId="{3A6C5D9A-ED86-4082-ACC3-B7CC60ECAA91}" dt="2020-09-16T19:49:17.391" v="3655" actId="1035"/>
         <pc:sldMkLst>
           <pc:docMk/>
           <pc:sldMk cId="2518447554" sldId="614"/>
@@ -591,8 +615,8 @@
             <ac:spMk id="12" creationId="{53B1267C-EC5B-405D-9992-51F0D543E1E9}"/>
           </ac:spMkLst>
         </pc:spChg>
-        <pc:spChg chg="add mod">
-          <ac:chgData name="Fernando García" userId="f80c962edb5cdc05" providerId="LiveId" clId="{3A6C5D9A-ED86-4082-ACC3-B7CC60ECAA91}" dt="2020-09-16T15:05:54.767" v="1848" actId="6549"/>
+        <pc:spChg chg="add del mod">
+          <ac:chgData name="Fernando García" userId="f80c962edb5cdc05" providerId="LiveId" clId="{3A6C5D9A-ED86-4082-ACC3-B7CC60ECAA91}" dt="2020-09-16T19:48:59.555" v="3646" actId="478"/>
           <ac:spMkLst>
             <pc:docMk/>
             <pc:sldMk cId="2518447554" sldId="614"/>
@@ -605,6 +629,22 @@
             <pc:docMk/>
             <pc:sldMk cId="2518447554" sldId="614"/>
             <ac:spMk id="16" creationId="{8A97A193-14EE-4EFE-8890-CC1F3257FD71}"/>
+          </ac:spMkLst>
+        </pc:spChg>
+        <pc:spChg chg="add">
+          <ac:chgData name="Fernando García" userId="f80c962edb5cdc05" providerId="LiveId" clId="{3A6C5D9A-ED86-4082-ACC3-B7CC60ECAA91}" dt="2020-09-16T19:49:00.120" v="3647" actId="22"/>
+          <ac:spMkLst>
+            <pc:docMk/>
+            <pc:sldMk cId="2518447554" sldId="614"/>
+            <ac:spMk id="18" creationId="{6C9336B9-0A34-43BE-8650-042033E1D57E}"/>
+          </ac:spMkLst>
+        </pc:spChg>
+        <pc:spChg chg="add mod">
+          <ac:chgData name="Fernando García" userId="f80c962edb5cdc05" providerId="LiveId" clId="{3A6C5D9A-ED86-4082-ACC3-B7CC60ECAA91}" dt="2020-09-16T19:49:17.391" v="3655" actId="1035"/>
+          <ac:spMkLst>
+            <pc:docMk/>
+            <pc:sldMk cId="2518447554" sldId="614"/>
+            <ac:spMk id="20" creationId="{CE682FE5-9945-43A1-A124-F94E46878B81}"/>
           </ac:spMkLst>
         </pc:spChg>
         <pc:picChg chg="del">
@@ -664,7 +704,7 @@
         </pc:spChg>
       </pc:sldChg>
       <pc:sldChg chg="addSp delSp modSp add mod">
-        <pc:chgData name="Fernando García" userId="f80c962edb5cdc05" providerId="LiveId" clId="{3A6C5D9A-ED86-4082-ACC3-B7CC60ECAA91}" dt="2020-09-16T15:01:23.026" v="1833" actId="6549"/>
+        <pc:chgData name="Fernando García" userId="f80c962edb5cdc05" providerId="LiveId" clId="{3A6C5D9A-ED86-4082-ACC3-B7CC60ECAA91}" dt="2020-09-16T19:49:37.693" v="3661" actId="20577"/>
         <pc:sldMkLst>
           <pc:docMk/>
           <pc:sldMk cId="2567591958" sldId="616"/>
@@ -677,12 +717,20 @@
             <ac:spMk id="3" creationId="{E4620B63-6E09-3340-8472-06EF525D1795}"/>
           </ac:spMkLst>
         </pc:spChg>
-        <pc:spChg chg="add mod">
-          <ac:chgData name="Fernando García" userId="f80c962edb5cdc05" providerId="LiveId" clId="{3A6C5D9A-ED86-4082-ACC3-B7CC60ECAA91}" dt="2020-09-16T15:01:23.026" v="1833" actId="6549"/>
+        <pc:spChg chg="add del mod">
+          <ac:chgData name="Fernando García" userId="f80c962edb5cdc05" providerId="LiveId" clId="{3A6C5D9A-ED86-4082-ACC3-B7CC60ECAA91}" dt="2020-09-16T19:49:29.618" v="3656" actId="478"/>
           <ac:spMkLst>
             <pc:docMk/>
             <pc:sldMk cId="2567591958" sldId="616"/>
             <ac:spMk id="5" creationId="{51762052-A7F6-460F-A481-FEC3DBEC76E8}"/>
+          </ac:spMkLst>
+        </pc:spChg>
+        <pc:spChg chg="add">
+          <ac:chgData name="Fernando García" userId="f80c962edb5cdc05" providerId="LiveId" clId="{3A6C5D9A-ED86-4082-ACC3-B7CC60ECAA91}" dt="2020-09-16T19:49:30.884" v="3657" actId="22"/>
+          <ac:spMkLst>
+            <pc:docMk/>
+            <pc:sldMk cId="2567591958" sldId="616"/>
+            <ac:spMk id="7" creationId="{36F58CDE-3881-4489-BEF5-B240E373C462}"/>
           </ac:spMkLst>
         </pc:spChg>
         <pc:spChg chg="mod">
@@ -691,6 +739,14 @@
             <pc:docMk/>
             <pc:sldMk cId="2567591958" sldId="616"/>
             <ac:spMk id="12" creationId="{53B1267C-EC5B-405D-9992-51F0D543E1E9}"/>
+          </ac:spMkLst>
+        </pc:spChg>
+        <pc:spChg chg="add mod">
+          <ac:chgData name="Fernando García" userId="f80c962edb5cdc05" providerId="LiveId" clId="{3A6C5D9A-ED86-4082-ACC3-B7CC60ECAA91}" dt="2020-09-16T19:49:37.693" v="3661" actId="20577"/>
+          <ac:spMkLst>
+            <pc:docMk/>
+            <pc:sldMk cId="2567591958" sldId="616"/>
+            <ac:spMk id="14" creationId="{2597E05C-EA5C-4DF0-9DD3-4FB7D014EE34}"/>
           </ac:spMkLst>
         </pc:spChg>
         <pc:picChg chg="add mod modCrop">
@@ -719,7 +775,7 @@
         </pc:picChg>
       </pc:sldChg>
       <pc:sldChg chg="addSp delSp modSp add mod">
-        <pc:chgData name="Fernando García" userId="f80c962edb5cdc05" providerId="LiveId" clId="{3A6C5D9A-ED86-4082-ACC3-B7CC60ECAA91}" dt="2020-09-16T15:07:46.114" v="1918" actId="20577"/>
+        <pc:chgData name="Fernando García" userId="f80c962edb5cdc05" providerId="LiveId" clId="{3A6C5D9A-ED86-4082-ACC3-B7CC60ECAA91}" dt="2020-09-16T19:49:55.053" v="3667" actId="20577"/>
         <pc:sldMkLst>
           <pc:docMk/>
           <pc:sldMk cId="2562734523" sldId="617"/>
@@ -732,12 +788,20 @@
             <ac:spMk id="3" creationId="{E4620B63-6E09-3340-8472-06EF525D1795}"/>
           </ac:spMkLst>
         </pc:spChg>
-        <pc:spChg chg="add mod">
-          <ac:chgData name="Fernando García" userId="f80c962edb5cdc05" providerId="LiveId" clId="{3A6C5D9A-ED86-4082-ACC3-B7CC60ECAA91}" dt="2020-09-16T15:07:46.114" v="1918" actId="20577"/>
+        <pc:spChg chg="add del mod">
+          <ac:chgData name="Fernando García" userId="f80c962edb5cdc05" providerId="LiveId" clId="{3A6C5D9A-ED86-4082-ACC3-B7CC60ECAA91}" dt="2020-09-16T19:49:46.041" v="3662" actId="478"/>
           <ac:spMkLst>
             <pc:docMk/>
             <pc:sldMk cId="2562734523" sldId="617"/>
             <ac:spMk id="7" creationId="{8907122C-0FF4-4227-8318-B31BC29E7DEF}"/>
+          </ac:spMkLst>
+        </pc:spChg>
+        <pc:spChg chg="add">
+          <ac:chgData name="Fernando García" userId="f80c962edb5cdc05" providerId="LiveId" clId="{3A6C5D9A-ED86-4082-ACC3-B7CC60ECAA91}" dt="2020-09-16T19:49:46.508" v="3663" actId="22"/>
+          <ac:spMkLst>
+            <pc:docMk/>
+            <pc:sldMk cId="2562734523" sldId="617"/>
+            <ac:spMk id="8" creationId="{CC7F5076-F904-485C-A9D7-9A697E437EF5}"/>
           </ac:spMkLst>
         </pc:spChg>
         <pc:spChg chg="mod">
@@ -746,6 +810,14 @@
             <pc:docMk/>
             <pc:sldMk cId="2562734523" sldId="617"/>
             <ac:spMk id="12" creationId="{53B1267C-EC5B-405D-9992-51F0D543E1E9}"/>
+          </ac:spMkLst>
+        </pc:spChg>
+        <pc:spChg chg="add mod">
+          <ac:chgData name="Fernando García" userId="f80c962edb5cdc05" providerId="LiveId" clId="{3A6C5D9A-ED86-4082-ACC3-B7CC60ECAA91}" dt="2020-09-16T19:49:55.053" v="3667" actId="20577"/>
+          <ac:spMkLst>
+            <pc:docMk/>
+            <pc:sldMk cId="2562734523" sldId="617"/>
+            <ac:spMk id="14" creationId="{80A4437E-9C7A-4CE2-B681-2DEBB1815112}"/>
           </ac:spMkLst>
         </pc:spChg>
         <pc:picChg chg="del">
@@ -774,7 +846,7 @@
         </pc:picChg>
       </pc:sldChg>
       <pc:sldChg chg="addSp delSp modSp add mod">
-        <pc:chgData name="Fernando García" userId="f80c962edb5cdc05" providerId="LiveId" clId="{3A6C5D9A-ED86-4082-ACC3-B7CC60ECAA91}" dt="2020-09-16T17:58:38.694" v="3235" actId="20577"/>
+        <pc:chgData name="Fernando García" userId="f80c962edb5cdc05" providerId="LiveId" clId="{3A6C5D9A-ED86-4082-ACC3-B7CC60ECAA91}" dt="2020-09-16T19:35:39.321" v="3478" actId="1076"/>
         <pc:sldMkLst>
           <pc:docMk/>
           <pc:sldMk cId="1266357860" sldId="618"/>
@@ -787,8 +859,8 @@
             <ac:spMk id="3" creationId="{E4620B63-6E09-3340-8472-06EF525D1795}"/>
           </ac:spMkLst>
         </pc:spChg>
-        <pc:spChg chg="add mod">
-          <ac:chgData name="Fernando García" userId="f80c962edb5cdc05" providerId="LiveId" clId="{3A6C5D9A-ED86-4082-ACC3-B7CC60ECAA91}" dt="2020-09-16T15:52:58.707" v="2319" actId="20577"/>
+        <pc:spChg chg="add del mod">
+          <ac:chgData name="Fernando García" userId="f80c962edb5cdc05" providerId="LiveId" clId="{3A6C5D9A-ED86-4082-ACC3-B7CC60ECAA91}" dt="2020-09-16T19:35:12.772" v="3473" actId="478"/>
           <ac:spMkLst>
             <pc:docMk/>
             <pc:sldMk cId="1266357860" sldId="618"/>
@@ -804,7 +876,7 @@
           </ac:spMkLst>
         </pc:spChg>
         <pc:picChg chg="add mod modCrop">
-          <ac:chgData name="Fernando García" userId="f80c962edb5cdc05" providerId="LiveId" clId="{3A6C5D9A-ED86-4082-ACC3-B7CC60ECAA91}" dt="2020-09-16T15:09:42.328" v="1930" actId="1037"/>
+          <ac:chgData name="Fernando García" userId="f80c962edb5cdc05" providerId="LiveId" clId="{3A6C5D9A-ED86-4082-ACC3-B7CC60ECAA91}" dt="2020-09-16T19:35:39.321" v="3478" actId="1076"/>
           <ac:picMkLst>
             <pc:docMk/>
             <pc:sldMk cId="1266357860" sldId="618"/>
@@ -829,7 +901,7 @@
         </pc:picChg>
       </pc:sldChg>
       <pc:sldChg chg="addSp delSp modSp add mod">
-        <pc:chgData name="Fernando García" userId="f80c962edb5cdc05" providerId="LiveId" clId="{3A6C5D9A-ED86-4082-ACC3-B7CC60ECAA91}" dt="2020-09-16T18:00:58.746" v="3304" actId="478"/>
+        <pc:chgData name="Fernando García" userId="f80c962edb5cdc05" providerId="LiveId" clId="{3A6C5D9A-ED86-4082-ACC3-B7CC60ECAA91}" dt="2020-09-16T19:39:16.086" v="3498" actId="1076"/>
         <pc:sldMkLst>
           <pc:docMk/>
           <pc:sldMk cId="1169067725" sldId="619"/>
@@ -867,7 +939,7 @@
           </ac:picMkLst>
         </pc:picChg>
         <pc:picChg chg="add mod modCrop">
-          <ac:chgData name="Fernando García" userId="f80c962edb5cdc05" providerId="LiveId" clId="{3A6C5D9A-ED86-4082-ACC3-B7CC60ECAA91}" dt="2020-09-16T15:53:38.662" v="2323" actId="1037"/>
+          <ac:chgData name="Fernando García" userId="f80c962edb5cdc05" providerId="LiveId" clId="{3A6C5D9A-ED86-4082-ACC3-B7CC60ECAA91}" dt="2020-09-16T19:39:16.086" v="3498" actId="1076"/>
           <ac:picMkLst>
             <pc:docMk/>
             <pc:sldMk cId="1169067725" sldId="619"/>
@@ -876,7 +948,7 @@
         </pc:picChg>
       </pc:sldChg>
       <pc:sldChg chg="delSp modSp add mod">
-        <pc:chgData name="Fernando García" userId="f80c962edb5cdc05" providerId="LiveId" clId="{3A6C5D9A-ED86-4082-ACC3-B7CC60ECAA91}" dt="2020-09-16T17:50:24.185" v="2951" actId="478"/>
+        <pc:chgData name="Fernando García" userId="f80c962edb5cdc05" providerId="LiveId" clId="{3A6C5D9A-ED86-4082-ACC3-B7CC60ECAA91}" dt="2020-09-16T19:33:48.039" v="3469" actId="1076"/>
         <pc:sldMkLst>
           <pc:docMk/>
           <pc:sldMk cId="3473505397" sldId="620"/>
@@ -897,6 +969,22 @@
             <ac:spMk id="11" creationId="{932A2C04-F4DB-4BB7-92AD-5E0413B41D65}"/>
           </ac:spMkLst>
         </pc:spChg>
+        <pc:spChg chg="del">
+          <ac:chgData name="Fernando García" userId="f80c962edb5cdc05" providerId="LiveId" clId="{3A6C5D9A-ED86-4082-ACC3-B7CC60ECAA91}" dt="2020-09-16T19:33:40.387" v="3467" actId="478"/>
+          <ac:spMkLst>
+            <pc:docMk/>
+            <pc:sldMk cId="3473505397" sldId="620"/>
+            <ac:spMk id="13" creationId="{E4406D13-CBDE-4CEF-81A1-494967BECB07}"/>
+          </ac:spMkLst>
+        </pc:spChg>
+        <pc:picChg chg="mod">
+          <ac:chgData name="Fernando García" userId="f80c962edb5cdc05" providerId="LiveId" clId="{3A6C5D9A-ED86-4082-ACC3-B7CC60ECAA91}" dt="2020-09-16T19:33:48.039" v="3469" actId="1076"/>
+          <ac:picMkLst>
+            <pc:docMk/>
+            <pc:sldMk cId="3473505397" sldId="620"/>
+            <ac:picMk id="5" creationId="{CCF1A1AF-D0BE-45C1-A701-EF6700A6F07E}"/>
+          </ac:picMkLst>
+        </pc:picChg>
         <pc:picChg chg="del">
           <ac:chgData name="Fernando García" userId="f80c962edb5cdc05" providerId="LiveId" clId="{3A6C5D9A-ED86-4082-ACC3-B7CC60ECAA91}" dt="2020-09-16T17:50:14.818" v="2948" actId="478"/>
           <ac:picMkLst>
@@ -907,7 +995,7 @@
         </pc:picChg>
       </pc:sldChg>
       <pc:sldChg chg="modSp new mod">
-        <pc:chgData name="Fernando García" userId="f80c962edb5cdc05" providerId="LiveId" clId="{3A6C5D9A-ED86-4082-ACC3-B7CC60ECAA91}" dt="2020-09-16T17:40:32.815" v="2692" actId="20577"/>
+        <pc:chgData name="Fernando García" userId="f80c962edb5cdc05" providerId="LiveId" clId="{3A6C5D9A-ED86-4082-ACC3-B7CC60ECAA91}" dt="2020-09-16T19:46:44.912" v="3580" actId="27636"/>
         <pc:sldMkLst>
           <pc:docMk/>
           <pc:sldMk cId="553448643" sldId="621"/>
@@ -920,9 +1008,17 @@
             <ac:spMk id="2" creationId="{71545D14-ED23-40CB-9C07-6DAAF8E2161F}"/>
           </ac:spMkLst>
         </pc:spChg>
+        <pc:spChg chg="mod">
+          <ac:chgData name="Fernando García" userId="f80c962edb5cdc05" providerId="LiveId" clId="{3A6C5D9A-ED86-4082-ACC3-B7CC60ECAA91}" dt="2020-09-16T19:46:44.912" v="3580" actId="27636"/>
+          <ac:spMkLst>
+            <pc:docMk/>
+            <pc:sldMk cId="553448643" sldId="621"/>
+            <ac:spMk id="5" creationId="{11BC58F9-86D0-413F-A0F1-473D1A9934D0}"/>
+          </ac:spMkLst>
+        </pc:spChg>
       </pc:sldChg>
       <pc:sldChg chg="addSp delSp modSp new mod">
-        <pc:chgData name="Fernando García" userId="f80c962edb5cdc05" providerId="LiveId" clId="{3A6C5D9A-ED86-4082-ACC3-B7CC60ECAA91}" dt="2020-09-16T17:43:57.392" v="2800" actId="1076"/>
+        <pc:chgData name="Fernando García" userId="f80c962edb5cdc05" providerId="LiveId" clId="{3A6C5D9A-ED86-4082-ACC3-B7CC60ECAA91}" dt="2020-09-16T19:33:14.047" v="3458" actId="1076"/>
         <pc:sldMkLst>
           <pc:docMk/>
           <pc:sldMk cId="3199662869" sldId="622"/>
@@ -952,7 +1048,7 @@
           </ac:spMkLst>
         </pc:spChg>
         <pc:picChg chg="add mod">
-          <ac:chgData name="Fernando García" userId="f80c962edb5cdc05" providerId="LiveId" clId="{3A6C5D9A-ED86-4082-ACC3-B7CC60ECAA91}" dt="2020-09-16T17:43:57.392" v="2800" actId="1076"/>
+          <ac:chgData name="Fernando García" userId="f80c962edb5cdc05" providerId="LiveId" clId="{3A6C5D9A-ED86-4082-ACC3-B7CC60ECAA91}" dt="2020-09-16T19:33:14.047" v="3458" actId="1076"/>
           <ac:picMkLst>
             <pc:docMk/>
             <pc:sldMk cId="3199662869" sldId="622"/>
@@ -960,8 +1056,8 @@
           </ac:picMkLst>
         </pc:picChg>
       </pc:sldChg>
-      <pc:sldChg chg="modSp new mod ord">
-        <pc:chgData name="Fernando García" userId="f80c962edb5cdc05" providerId="LiveId" clId="{3A6C5D9A-ED86-4082-ACC3-B7CC60ECAA91}" dt="2020-09-16T17:43:27.468" v="2797"/>
+      <pc:sldChg chg="addSp delSp modSp new mod ord">
+        <pc:chgData name="Fernando García" userId="f80c962edb5cdc05" providerId="LiveId" clId="{3A6C5D9A-ED86-4082-ACC3-B7CC60ECAA91}" dt="2020-09-16T19:31:25.375" v="3450" actId="1076"/>
         <pc:sldMkLst>
           <pc:docMk/>
           <pc:sldMk cId="2745833141" sldId="623"/>
@@ -974,6 +1070,70 @@
             <ac:spMk id="2" creationId="{1643DF1B-E499-4D9D-A491-F0E2D48D896A}"/>
           </ac:spMkLst>
         </pc:spChg>
+        <pc:spChg chg="del">
+          <ac:chgData name="Fernando García" userId="f80c962edb5cdc05" providerId="LiveId" clId="{3A6C5D9A-ED86-4082-ACC3-B7CC60ECAA91}" dt="2020-09-16T19:04:33.039" v="3407"/>
+          <ac:spMkLst>
+            <pc:docMk/>
+            <pc:sldMk cId="2745833141" sldId="623"/>
+            <ac:spMk id="5" creationId="{C563077D-AB56-4F19-9B76-9327487BDCC6}"/>
+          </ac:spMkLst>
+        </pc:spChg>
+        <pc:spChg chg="add">
+          <ac:chgData name="Fernando García" userId="f80c962edb5cdc05" providerId="LiveId" clId="{3A6C5D9A-ED86-4082-ACC3-B7CC60ECAA91}" dt="2020-09-16T19:04:29.683" v="3406"/>
+          <ac:spMkLst>
+            <pc:docMk/>
+            <pc:sldMk cId="2745833141" sldId="623"/>
+            <ac:spMk id="7" creationId="{E4D6280E-40FD-4F63-908E-7ADEFCB68D25}"/>
+          </ac:spMkLst>
+        </pc:spChg>
+        <pc:spChg chg="add del mod">
+          <ac:chgData name="Fernando García" userId="f80c962edb5cdc05" providerId="LiveId" clId="{3A6C5D9A-ED86-4082-ACC3-B7CC60ECAA91}" dt="2020-09-16T19:04:34.624" v="3408"/>
+          <ac:spMkLst>
+            <pc:docMk/>
+            <pc:sldMk cId="2745833141" sldId="623"/>
+            <ac:spMk id="8" creationId="{6E62D50F-F237-4C87-AB81-801E6104A696}"/>
+          </ac:spMkLst>
+        </pc:spChg>
+        <pc:spChg chg="add del mod">
+          <ac:chgData name="Fernando García" userId="f80c962edb5cdc05" providerId="LiveId" clId="{3A6C5D9A-ED86-4082-ACC3-B7CC60ECAA91}" dt="2020-09-16T19:09:57.587" v="3410" actId="931"/>
+          <ac:spMkLst>
+            <pc:docMk/>
+            <pc:sldMk cId="2745833141" sldId="623"/>
+            <ac:spMk id="9" creationId="{530DE92D-40BD-4FAE-91F0-E198A1248D8E}"/>
+          </ac:spMkLst>
+        </pc:spChg>
+        <pc:spChg chg="add mod">
+          <ac:chgData name="Fernando García" userId="f80c962edb5cdc05" providerId="LiveId" clId="{3A6C5D9A-ED86-4082-ACC3-B7CC60ECAA91}" dt="2020-09-16T19:04:35.997" v="3409"/>
+          <ac:spMkLst>
+            <pc:docMk/>
+            <pc:sldMk cId="2745833141" sldId="623"/>
+            <ac:spMk id="10" creationId="{CE92E6DD-576A-4391-8E3D-A8A9C32826F6}"/>
+          </ac:spMkLst>
+        </pc:spChg>
+        <pc:spChg chg="add del mod">
+          <ac:chgData name="Fernando García" userId="f80c962edb5cdc05" providerId="LiveId" clId="{3A6C5D9A-ED86-4082-ACC3-B7CC60ECAA91}" dt="2020-09-16T19:31:14.757" v="3448" actId="478"/>
+          <ac:spMkLst>
+            <pc:docMk/>
+            <pc:sldMk cId="2745833141" sldId="623"/>
+            <ac:spMk id="13" creationId="{5F32E8D5-E592-431A-98E7-97AE3D22449F}"/>
+          </ac:spMkLst>
+        </pc:spChg>
+        <pc:picChg chg="add del mod">
+          <ac:chgData name="Fernando García" userId="f80c962edb5cdc05" providerId="LiveId" clId="{3A6C5D9A-ED86-4082-ACC3-B7CC60ECAA91}" dt="2020-09-16T19:29:14.610" v="3423" actId="478"/>
+          <ac:picMkLst>
+            <pc:docMk/>
+            <pc:sldMk cId="2745833141" sldId="623"/>
+            <ac:picMk id="12" creationId="{7C54539A-B353-4768-90B1-D63514547EA0}"/>
+          </ac:picMkLst>
+        </pc:picChg>
+        <pc:picChg chg="add mod modCrop">
+          <ac:chgData name="Fernando García" userId="f80c962edb5cdc05" providerId="LiveId" clId="{3A6C5D9A-ED86-4082-ACC3-B7CC60ECAA91}" dt="2020-09-16T19:31:25.375" v="3450" actId="1076"/>
+          <ac:picMkLst>
+            <pc:docMk/>
+            <pc:sldMk cId="2745833141" sldId="623"/>
+            <ac:picMk id="14" creationId="{50AD4AE0-2CD4-4FB1-8A8C-2FB9847E9FDB}"/>
+          </ac:picMkLst>
+        </pc:picChg>
       </pc:sldChg>
       <pc:sldChg chg="add del">
         <pc:chgData name="Fernando García" userId="f80c962edb5cdc05" providerId="LiveId" clId="{3A6C5D9A-ED86-4082-ACC3-B7CC60ECAA91}" dt="2020-09-16T17:47:25.792" v="2870" actId="47"/>
@@ -1043,7 +1203,7 @@
         </pc:spChg>
       </pc:sldChg>
       <pc:sldChg chg="delSp modSp add mod">
-        <pc:chgData name="Fernando García" userId="f80c962edb5cdc05" providerId="LiveId" clId="{3A6C5D9A-ED86-4082-ACC3-B7CC60ECAA91}" dt="2020-09-16T17:50:33.379" v="2983" actId="1036"/>
+        <pc:chgData name="Fernando García" userId="f80c962edb5cdc05" providerId="LiveId" clId="{3A6C5D9A-ED86-4082-ACC3-B7CC60ECAA91}" dt="2020-09-16T19:34:07.647" v="3472" actId="1076"/>
         <pc:sldMkLst>
           <pc:docMk/>
           <pc:sldMk cId="3564363111" sldId="629"/>
@@ -1056,8 +1216,8 @@
             <ac:spMk id="2" creationId="{169B9A88-464A-954D-B31F-2A8C51265C08}"/>
           </ac:spMkLst>
         </pc:spChg>
-        <pc:spChg chg="mod">
-          <ac:chgData name="Fernando García" userId="f80c962edb5cdc05" providerId="LiveId" clId="{3A6C5D9A-ED86-4082-ACC3-B7CC60ECAA91}" dt="2020-09-16T17:50:29.953" v="2952" actId="1076"/>
+        <pc:spChg chg="del mod">
+          <ac:chgData name="Fernando García" userId="f80c962edb5cdc05" providerId="LiveId" clId="{3A6C5D9A-ED86-4082-ACC3-B7CC60ECAA91}" dt="2020-09-16T19:34:00.973" v="3470" actId="478"/>
           <ac:spMkLst>
             <pc:docMk/>
             <pc:sldMk cId="3564363111" sldId="629"/>
@@ -1081,7 +1241,7 @@
           </ac:picMkLst>
         </pc:picChg>
         <pc:picChg chg="mod">
-          <ac:chgData name="Fernando García" userId="f80c962edb5cdc05" providerId="LiveId" clId="{3A6C5D9A-ED86-4082-ACC3-B7CC60ECAA91}" dt="2020-09-16T17:50:33.379" v="2983" actId="1036"/>
+          <ac:chgData name="Fernando García" userId="f80c962edb5cdc05" providerId="LiveId" clId="{3A6C5D9A-ED86-4082-ACC3-B7CC60ECAA91}" dt="2020-09-16T19:34:07.647" v="3472" actId="1076"/>
           <ac:picMkLst>
             <pc:docMk/>
             <pc:sldMk cId="3564363111" sldId="629"/>
@@ -1194,18 +1354,26 @@
           </ac:spMkLst>
         </pc:spChg>
       </pc:sldChg>
-      <pc:sldChg chg="delSp modSp add mod">
-        <pc:chgData name="Fernando García" userId="f80c962edb5cdc05" providerId="LiveId" clId="{3A6C5D9A-ED86-4082-ACC3-B7CC60ECAA91}" dt="2020-09-16T17:59:45.726" v="3294" actId="1036"/>
+      <pc:sldChg chg="addSp delSp modSp add mod">
+        <pc:chgData name="Fernando García" userId="f80c962edb5cdc05" providerId="LiveId" clId="{3A6C5D9A-ED86-4082-ACC3-B7CC60ECAA91}" dt="2020-09-16T19:51:17.114" v="3750" actId="20577"/>
         <pc:sldMkLst>
           <pc:docMk/>
           <pc:sldMk cId="1557532265" sldId="635"/>
         </pc:sldMkLst>
-        <pc:spChg chg="mod">
-          <ac:chgData name="Fernando García" userId="f80c962edb5cdc05" providerId="LiveId" clId="{3A6C5D9A-ED86-4082-ACC3-B7CC60ECAA91}" dt="2020-09-16T17:59:45.726" v="3294" actId="1036"/>
+        <pc:spChg chg="del mod">
+          <ac:chgData name="Fernando García" userId="f80c962edb5cdc05" providerId="LiveId" clId="{3A6C5D9A-ED86-4082-ACC3-B7CC60ECAA91}" dt="2020-09-16T19:37:39.738" v="3487" actId="478"/>
           <ac:spMkLst>
             <pc:docMk/>
             <pc:sldMk cId="1557532265" sldId="635"/>
             <ac:spMk id="7" creationId="{6884B04C-AB18-4CB6-9C43-414D061A9425}"/>
+          </ac:spMkLst>
+        </pc:spChg>
+        <pc:spChg chg="add mod">
+          <ac:chgData name="Fernando García" userId="f80c962edb5cdc05" providerId="LiveId" clId="{3A6C5D9A-ED86-4082-ACC3-B7CC60ECAA91}" dt="2020-09-16T19:51:17.114" v="3750" actId="20577"/>
+          <ac:spMkLst>
+            <pc:docMk/>
+            <pc:sldMk cId="1557532265" sldId="635"/>
+            <ac:spMk id="8" creationId="{FB05F191-363F-4660-9B11-E558E61E3978}"/>
           </ac:spMkLst>
         </pc:spChg>
         <pc:spChg chg="mod">
@@ -1256,13 +1424,13 @@
         </pc:spChg>
       </pc:sldChg>
       <pc:sldChg chg="addSp delSp modSp add mod">
-        <pc:chgData name="Fernando García" userId="f80c962edb5cdc05" providerId="LiveId" clId="{3A6C5D9A-ED86-4082-ACC3-B7CC60ECAA91}" dt="2020-09-16T18:01:44.567" v="3314" actId="20577"/>
+        <pc:chgData name="Fernando García" userId="f80c962edb5cdc05" providerId="LiveId" clId="{3A6C5D9A-ED86-4082-ACC3-B7CC60ECAA91}" dt="2020-09-16T19:41:02.077" v="3556" actId="20577"/>
         <pc:sldMkLst>
           <pc:docMk/>
           <pc:sldMk cId="1572944154" sldId="638"/>
         </pc:sldMkLst>
-        <pc:spChg chg="add mod">
-          <ac:chgData name="Fernando García" userId="f80c962edb5cdc05" providerId="LiveId" clId="{3A6C5D9A-ED86-4082-ACC3-B7CC60ECAA91}" dt="2020-09-16T18:01:07.935" v="3307" actId="14100"/>
+        <pc:spChg chg="add del mod">
+          <ac:chgData name="Fernando García" userId="f80c962edb5cdc05" providerId="LiveId" clId="{3A6C5D9A-ED86-4082-ACC3-B7CC60ECAA91}" dt="2020-09-16T19:40:10.779" v="3505" actId="478"/>
           <ac:spMkLst>
             <pc:docMk/>
             <pc:sldMk cId="1572944154" sldId="638"/>
@@ -1275,6 +1443,14 @@
             <pc:docMk/>
             <pc:sldMk cId="1572944154" sldId="638"/>
             <ac:spMk id="7" creationId="{6884B04C-AB18-4CB6-9C43-414D061A9425}"/>
+          </ac:spMkLst>
+        </pc:spChg>
+        <pc:spChg chg="add mod">
+          <ac:chgData name="Fernando García" userId="f80c962edb5cdc05" providerId="LiveId" clId="{3A6C5D9A-ED86-4082-ACC3-B7CC60ECAA91}" dt="2020-09-16T19:41:02.077" v="3556" actId="20577"/>
+          <ac:spMkLst>
+            <pc:docMk/>
+            <pc:sldMk cId="1572944154" sldId="638"/>
+            <ac:spMk id="10" creationId="{2EFBF6B7-A6CD-4D7C-BDB4-45F83DD8DE50}"/>
           </ac:spMkLst>
         </pc:spChg>
         <pc:spChg chg="mod">
@@ -1298,6 +1474,29 @@
             <pc:docMk/>
             <pc:sldMk cId="213236666" sldId="639"/>
             <ac:spMk id="2" creationId="{AC6C702B-5CB8-40A3-AF13-3F95588C64F0}"/>
+          </ac:spMkLst>
+        </pc:spChg>
+      </pc:sldChg>
+      <pc:sldChg chg="modSp add mod">
+        <pc:chgData name="Fernando García" userId="f80c962edb5cdc05" providerId="LiveId" clId="{3A6C5D9A-ED86-4082-ACC3-B7CC60ECAA91}" dt="2020-09-16T19:56:44.187" v="3912" actId="20577"/>
+        <pc:sldMkLst>
+          <pc:docMk/>
+          <pc:sldMk cId="3397186264" sldId="640"/>
+        </pc:sldMkLst>
+        <pc:spChg chg="mod">
+          <ac:chgData name="Fernando García" userId="f80c962edb5cdc05" providerId="LiveId" clId="{3A6C5D9A-ED86-4082-ACC3-B7CC60ECAA91}" dt="2020-09-16T19:56:21.598" v="3909" actId="20577"/>
+          <ac:spMkLst>
+            <pc:docMk/>
+            <pc:sldMk cId="3397186264" sldId="640"/>
+            <ac:spMk id="8" creationId="{FB05F191-363F-4660-9B11-E558E61E3978}"/>
+          </ac:spMkLst>
+        </pc:spChg>
+        <pc:spChg chg="mod">
+          <ac:chgData name="Fernando García" userId="f80c962edb5cdc05" providerId="LiveId" clId="{3A6C5D9A-ED86-4082-ACC3-B7CC60ECAA91}" dt="2020-09-16T19:56:44.187" v="3912" actId="20577"/>
+          <ac:spMkLst>
+            <pc:docMk/>
+            <pc:sldMk cId="3397186264" sldId="640"/>
+            <ac:spMk id="12" creationId="{53B1267C-EC5B-405D-9992-51F0D543E1E9}"/>
           </ac:spMkLst>
         </pc:spChg>
       </pc:sldChg>
@@ -1983,7 +2182,7 @@
             <a:fld id="{C6483C08-AC89-439F-ADFC-082C87A7F592}" type="slidenum">
               <a:rPr lang="en-US" smtClean="0"/>
               <a:pPr/>
-              <a:t>28</a:t>
+              <a:t>29</a:t>
             </a:fld>
             <a:endParaRPr lang="en-US"/>
           </a:p>
@@ -9483,49 +9682,14 @@
         </p:blipFill>
         <p:spPr>
           <a:xfrm>
-            <a:off x="1447800" y="1752600"/>
-            <a:ext cx="5921019" cy="2133600"/>
+            <a:off x="977095" y="2286000"/>
+            <a:ext cx="7189809" cy="2590800"/>
           </a:xfrm>
           <a:prstGeom prst="rect">
             <a:avLst/>
           </a:prstGeom>
         </p:spPr>
       </p:pic>
-      <p:sp>
-        <p:nvSpPr>
-          <p:cNvPr id="13" name="CuadroTexto 12">
-            <a:extLst>
-              <a:ext uri="{FF2B5EF4-FFF2-40B4-BE49-F238E27FC236}">
-                <a16:creationId xmlns:a16="http://schemas.microsoft.com/office/drawing/2014/main" id="{E4406D13-CBDE-4CEF-81A1-494967BECB07}"/>
-              </a:ext>
-            </a:extLst>
-          </p:cNvPr>
-          <p:cNvSpPr txBox="1"/>
-          <p:nvPr/>
-        </p:nvSpPr>
-        <p:spPr>
-          <a:xfrm>
-            <a:off x="1752600" y="1447800"/>
-            <a:ext cx="5486400" cy="338554"/>
-          </a:xfrm>
-          <a:prstGeom prst="rect">
-            <a:avLst/>
-          </a:prstGeom>
-          <a:noFill/>
-        </p:spPr>
-        <p:txBody>
-          <a:bodyPr wrap="square" rtlCol="0">
-            <a:spAutoFit/>
-          </a:bodyPr>
-          <a:lstStyle/>
-          <a:p>
-            <a:r>
-              <a:rPr lang="en-US" sz="1600" dirty="0"/>
-              <a:t>Census data by Tract for the City of Chicago in 2013</a:t>
-            </a:r>
-          </a:p>
-        </p:txBody>
-      </p:sp>
     </p:spTree>
     <p:extLst>
       <p:ext uri="{BB962C8B-B14F-4D97-AF65-F5344CB8AC3E}">
@@ -9718,49 +9882,14 @@
         </p:blipFill>
         <p:spPr>
           <a:xfrm>
-            <a:off x="1600200" y="2063467"/>
-            <a:ext cx="5715000" cy="2203733"/>
+            <a:off x="1022859" y="2429227"/>
+            <a:ext cx="7098281" cy="2737133"/>
           </a:xfrm>
           <a:prstGeom prst="rect">
             <a:avLst/>
           </a:prstGeom>
         </p:spPr>
       </p:pic>
-      <p:sp>
-        <p:nvSpPr>
-          <p:cNvPr id="11" name="CuadroTexto 10">
-            <a:extLst>
-              <a:ext uri="{FF2B5EF4-FFF2-40B4-BE49-F238E27FC236}">
-                <a16:creationId xmlns:a16="http://schemas.microsoft.com/office/drawing/2014/main" id="{932A2C04-F4DB-4BB7-92AD-5E0413B41D65}"/>
-              </a:ext>
-            </a:extLst>
-          </p:cNvPr>
-          <p:cNvSpPr txBox="1"/>
-          <p:nvPr/>
-        </p:nvSpPr>
-        <p:spPr>
-          <a:xfrm>
-            <a:off x="1714500" y="1616047"/>
-            <a:ext cx="5486400" cy="338554"/>
-          </a:xfrm>
-          <a:prstGeom prst="rect">
-            <a:avLst/>
-          </a:prstGeom>
-          <a:noFill/>
-        </p:spPr>
-        <p:txBody>
-          <a:bodyPr wrap="square" rtlCol="0">
-            <a:spAutoFit/>
-          </a:bodyPr>
-          <a:lstStyle/>
-          <a:p>
-            <a:r>
-              <a:rPr lang="en-US" sz="1600" dirty="0"/>
-              <a:t>Census data by Tract for the City of Chicago in 2018</a:t>
-            </a:r>
-          </a:p>
-        </p:txBody>
-      </p:sp>
     </p:spTree>
     <p:extLst>
       <p:ext uri="{BB962C8B-B14F-4D97-AF65-F5344CB8AC3E}">
@@ -9990,7 +10119,7 @@
         <p:spPr/>
         <p:txBody>
           <a:bodyPr>
-            <a:normAutofit fontScale="90000"/>
+            <a:normAutofit/>
           </a:bodyPr>
           <a:lstStyle/>
           <a:p>
@@ -10004,7 +10133,7 @@
             </a:r>
             <a:r>
               <a:rPr lang="en-US" dirty="0"/>
-              <a:t> per) clarify year next to table</a:t>
+              <a:t> per)</a:t>
             </a:r>
           </a:p>
         </p:txBody>
@@ -10180,8 +10309,8 @@
         </p:nvSpPr>
         <p:spPr>
           <a:xfrm>
-            <a:off x="6629400" y="1501676"/>
-            <a:ext cx="2209800" cy="3416320"/>
+            <a:off x="6590016" y="2590800"/>
+            <a:ext cx="2209800" cy="369332"/>
           </a:xfrm>
           <a:prstGeom prst="rect">
             <a:avLst/>
@@ -10196,21 +10325,42 @@
           <a:p>
             <a:r>
               <a:rPr lang="en-US" dirty="0"/>
-              <a:t>Comments:</a:t>
-            </a:r>
-          </a:p>
+              <a:t>2013</a:t>
+            </a:r>
+          </a:p>
+        </p:txBody>
+      </p:sp>
+      <p:sp>
+        <p:nvSpPr>
+          <p:cNvPr id="15" name="CuadroTexto 14">
+            <a:extLst>
+              <a:ext uri="{FF2B5EF4-FFF2-40B4-BE49-F238E27FC236}">
+                <a16:creationId xmlns:a16="http://schemas.microsoft.com/office/drawing/2014/main" id="{4DEDF15B-0939-412D-A003-AEC27DA9FD72}"/>
+              </a:ext>
+            </a:extLst>
+          </p:cNvPr>
+          <p:cNvSpPr txBox="1"/>
+          <p:nvPr/>
+        </p:nvSpPr>
+        <p:spPr>
+          <a:xfrm>
+            <a:off x="6629400" y="5029200"/>
+            <a:ext cx="2209800" cy="369332"/>
+          </a:xfrm>
+          <a:prstGeom prst="rect">
+            <a:avLst/>
+          </a:prstGeom>
+          <a:noFill/>
+        </p:spPr>
+        <p:txBody>
+          <a:bodyPr wrap="square" rtlCol="0">
+            <a:spAutoFit/>
+          </a:bodyPr>
+          <a:lstStyle/>
           <a:p>
             <a:r>
               <a:rPr lang="en-US" dirty="0"/>
-              <a:t>59 tracts meet definition #1.  Gentrified tracts are initially less populated, with higher share of </a:t>
-            </a:r>
-            <a:r>
-              <a:rPr lang="en-US" dirty="0" err="1"/>
-              <a:t>latinos</a:t>
-            </a:r>
-            <a:r>
-              <a:rPr lang="en-US" dirty="0"/>
-              <a:t>, higher income and home values but median and mean rents are similar. </a:t>
+              <a:t>2018</a:t>
             </a:r>
           </a:p>
         </p:txBody>
@@ -10434,10 +10584,10 @@
       </p:sp>
       <p:sp>
         <p:nvSpPr>
-          <p:cNvPr id="14" name="CuadroTexto 13">
+          <p:cNvPr id="18" name="CuadroTexto 17">
             <a:extLst>
               <a:ext uri="{FF2B5EF4-FFF2-40B4-BE49-F238E27FC236}">
-                <a16:creationId xmlns:a16="http://schemas.microsoft.com/office/drawing/2014/main" id="{C0B2B9FC-FF82-493C-9A70-03CAC8E228F1}"/>
+                <a16:creationId xmlns:a16="http://schemas.microsoft.com/office/drawing/2014/main" id="{6C9336B9-0A34-43BE-8650-042033E1D57E}"/>
               </a:ext>
             </a:extLst>
           </p:cNvPr>
@@ -10446,8 +10596,8 @@
         </p:nvSpPr>
         <p:spPr>
           <a:xfrm>
-            <a:off x="6629400" y="1501676"/>
-            <a:ext cx="2209800" cy="3693319"/>
+            <a:off x="6590016" y="2590800"/>
+            <a:ext cx="2209800" cy="369332"/>
           </a:xfrm>
           <a:prstGeom prst="rect">
             <a:avLst/>
@@ -10462,21 +10612,42 @@
           <a:p>
             <a:r>
               <a:rPr lang="en-US" dirty="0"/>
-              <a:t>Comments:</a:t>
-            </a:r>
-          </a:p>
+              <a:t>2013</a:t>
+            </a:r>
+          </a:p>
+        </p:txBody>
+      </p:sp>
+      <p:sp>
+        <p:nvSpPr>
+          <p:cNvPr id="20" name="CuadroTexto 19">
+            <a:extLst>
+              <a:ext uri="{FF2B5EF4-FFF2-40B4-BE49-F238E27FC236}">
+                <a16:creationId xmlns:a16="http://schemas.microsoft.com/office/drawing/2014/main" id="{CE682FE5-9945-43A1-A124-F94E46878B81}"/>
+              </a:ext>
+            </a:extLst>
+          </p:cNvPr>
+          <p:cNvSpPr txBox="1"/>
+          <p:nvPr/>
+        </p:nvSpPr>
+        <p:spPr>
+          <a:xfrm>
+            <a:off x="6553200" y="4953000"/>
+            <a:ext cx="2209800" cy="369332"/>
+          </a:xfrm>
+          <a:prstGeom prst="rect">
+            <a:avLst/>
+          </a:prstGeom>
+          <a:noFill/>
+        </p:spPr>
+        <p:txBody>
+          <a:bodyPr wrap="square" rtlCol="0">
+            <a:spAutoFit/>
+          </a:bodyPr>
+          <a:lstStyle/>
           <a:p>
             <a:r>
               <a:rPr lang="en-US" dirty="0"/>
-              <a:t>22 tracts meet definition #1 with higher changes.  Gentrified tracts have similar gross rent, they are less populated and have a high share of </a:t>
-            </a:r>
-            <a:r>
-              <a:rPr lang="en-US" dirty="0" err="1"/>
-              <a:t>latino</a:t>
-            </a:r>
-            <a:r>
-              <a:rPr lang="en-US" dirty="0"/>
-              <a:t> population and a low black or African American population. </a:t>
+              <a:t>2018</a:t>
             </a:r>
           </a:p>
         </p:txBody>
@@ -10880,10 +11051,10 @@
       </p:pic>
       <p:sp>
         <p:nvSpPr>
-          <p:cNvPr id="5" name="CuadroTexto 4">
+          <p:cNvPr id="7" name="CuadroTexto 6">
             <a:extLst>
               <a:ext uri="{FF2B5EF4-FFF2-40B4-BE49-F238E27FC236}">
-                <a16:creationId xmlns:a16="http://schemas.microsoft.com/office/drawing/2014/main" id="{51762052-A7F6-460F-A481-FEC3DBEC76E8}"/>
+                <a16:creationId xmlns:a16="http://schemas.microsoft.com/office/drawing/2014/main" id="{36F58CDE-3881-4489-BEF5-B240E373C462}"/>
               </a:ext>
             </a:extLst>
           </p:cNvPr>
@@ -10892,8 +11063,8 @@
         </p:nvSpPr>
         <p:spPr>
           <a:xfrm>
-            <a:off x="6629400" y="1501676"/>
-            <a:ext cx="2209800" cy="3416320"/>
+            <a:off x="6590016" y="2590800"/>
+            <a:ext cx="2209800" cy="369332"/>
           </a:xfrm>
           <a:prstGeom prst="rect">
             <a:avLst/>
@@ -10908,21 +11079,42 @@
           <a:p>
             <a:r>
               <a:rPr lang="en-US" dirty="0"/>
-              <a:t>Comments:</a:t>
-            </a:r>
-          </a:p>
+              <a:t>2013</a:t>
+            </a:r>
+          </a:p>
+        </p:txBody>
+      </p:sp>
+      <p:sp>
+        <p:nvSpPr>
+          <p:cNvPr id="14" name="CuadroTexto 13">
+            <a:extLst>
+              <a:ext uri="{FF2B5EF4-FFF2-40B4-BE49-F238E27FC236}">
+                <a16:creationId xmlns:a16="http://schemas.microsoft.com/office/drawing/2014/main" id="{2597E05C-EA5C-4DF0-9DD3-4FB7D014EE34}"/>
+              </a:ext>
+            </a:extLst>
+          </p:cNvPr>
+          <p:cNvSpPr txBox="1"/>
+          <p:nvPr/>
+        </p:nvSpPr>
+        <p:spPr>
+          <a:xfrm>
+            <a:off x="6590016" y="5029200"/>
+            <a:ext cx="2209800" cy="369332"/>
+          </a:xfrm>
+          <a:prstGeom prst="rect">
+            <a:avLst/>
+          </a:prstGeom>
+          <a:noFill/>
+        </p:spPr>
+        <p:txBody>
+          <a:bodyPr wrap="square" rtlCol="0">
+            <a:spAutoFit/>
+          </a:bodyPr>
+          <a:lstStyle/>
           <a:p>
             <a:r>
               <a:rPr lang="en-US" dirty="0"/>
-              <a:t>64 tracts meet definition #2.  Gentrified tracts are initially less populated, with higher share of </a:t>
-            </a:r>
-            <a:r>
-              <a:rPr lang="en-US" dirty="0" err="1"/>
-              <a:t>latinos</a:t>
-            </a:r>
-            <a:r>
-              <a:rPr lang="en-US" dirty="0"/>
-              <a:t>, higher income and home values but median and mean rents are similar. </a:t>
+              <a:t>2018</a:t>
             </a:r>
           </a:p>
         </p:txBody>
@@ -11175,10 +11367,10 @@
       </p:pic>
       <p:sp>
         <p:nvSpPr>
-          <p:cNvPr id="7" name="CuadroTexto 6">
+          <p:cNvPr id="8" name="CuadroTexto 7">
             <a:extLst>
               <a:ext uri="{FF2B5EF4-FFF2-40B4-BE49-F238E27FC236}">
-                <a16:creationId xmlns:a16="http://schemas.microsoft.com/office/drawing/2014/main" id="{8907122C-0FF4-4227-8318-B31BC29E7DEF}"/>
+                <a16:creationId xmlns:a16="http://schemas.microsoft.com/office/drawing/2014/main" id="{CC7F5076-F904-485C-A9D7-9A697E437EF5}"/>
               </a:ext>
             </a:extLst>
           </p:cNvPr>
@@ -11187,8 +11379,8 @@
         </p:nvSpPr>
         <p:spPr>
           <a:xfrm>
-            <a:off x="6629400" y="1501676"/>
-            <a:ext cx="2209800" cy="3970318"/>
+            <a:off x="6590016" y="2590800"/>
+            <a:ext cx="2209800" cy="369332"/>
           </a:xfrm>
           <a:prstGeom prst="rect">
             <a:avLst/>
@@ -11203,21 +11395,42 @@
           <a:p>
             <a:r>
               <a:rPr lang="en-US" dirty="0"/>
-              <a:t>Comments:</a:t>
-            </a:r>
-          </a:p>
+              <a:t>2013</a:t>
+            </a:r>
+          </a:p>
+        </p:txBody>
+      </p:sp>
+      <p:sp>
+        <p:nvSpPr>
+          <p:cNvPr id="14" name="CuadroTexto 13">
+            <a:extLst>
+              <a:ext uri="{FF2B5EF4-FFF2-40B4-BE49-F238E27FC236}">
+                <a16:creationId xmlns:a16="http://schemas.microsoft.com/office/drawing/2014/main" id="{80A4437E-9C7A-4CE2-B681-2DEBB1815112}"/>
+              </a:ext>
+            </a:extLst>
+          </p:cNvPr>
+          <p:cNvSpPr txBox="1"/>
+          <p:nvPr/>
+        </p:nvSpPr>
+        <p:spPr>
+          <a:xfrm>
+            <a:off x="6590016" y="4814360"/>
+            <a:ext cx="2209800" cy="369332"/>
+          </a:xfrm>
+          <a:prstGeom prst="rect">
+            <a:avLst/>
+          </a:prstGeom>
+          <a:noFill/>
+        </p:spPr>
+        <p:txBody>
+          <a:bodyPr wrap="square" rtlCol="0">
+            <a:spAutoFit/>
+          </a:bodyPr>
+          <a:lstStyle/>
           <a:p>
             <a:r>
               <a:rPr lang="en-US" dirty="0"/>
-              <a:t>18 tracts meet definition #2 with higher changes in white population.  Gentrified tracts are initially less populated, with higher share of </a:t>
-            </a:r>
-            <a:r>
-              <a:rPr lang="en-US" dirty="0" err="1"/>
-              <a:t>latinos</a:t>
-            </a:r>
-            <a:r>
-              <a:rPr lang="en-US" dirty="0"/>
-              <a:t>, higher income and home values but median and mean rents are similar. </a:t>
+              <a:t>2018</a:t>
             </a:r>
           </a:p>
         </p:txBody>
@@ -11254,57 +11467,6 @@
       </p:grpSpPr>
       <p:sp>
         <p:nvSpPr>
-          <p:cNvPr id="2" name="Title 1">
-            <a:extLst>
-              <a:ext uri="{FF2B5EF4-FFF2-40B4-BE49-F238E27FC236}">
-                <a16:creationId xmlns:a16="http://schemas.microsoft.com/office/drawing/2014/main" id="{169B9A88-464A-954D-B31F-2A8C51265C08}"/>
-              </a:ext>
-            </a:extLst>
-          </p:cNvPr>
-          <p:cNvSpPr>
-            <a:spLocks noGrp="1"/>
-          </p:cNvSpPr>
-          <p:nvPr>
-            <p:ph type="title"/>
-          </p:nvPr>
-        </p:nvSpPr>
-        <p:spPr>
-          <a:xfrm>
-            <a:off x="301752" y="384048"/>
-            <a:ext cx="8534400" cy="758952"/>
-          </a:xfrm>
-        </p:spPr>
-        <p:txBody>
-          <a:bodyPr>
-            <a:normAutofit fontScale="90000"/>
-          </a:bodyPr>
-          <a:lstStyle/>
-          <a:p>
-            <a:r>
-              <a:rPr lang="en-US" dirty="0"/>
-              <a:t>MAP of tracts increase median income under </a:t>
-            </a:r>
-            <a:r>
-              <a:rPr lang="en-US" dirty="0" err="1"/>
-              <a:t>defition</a:t>
-            </a:r>
-            <a:r>
-              <a:rPr lang="en-US" dirty="0"/>
-              <a:t> #1 at the 75</a:t>
-            </a:r>
-            <a:r>
-              <a:rPr lang="en-US" baseline="30000" dirty="0"/>
-              <a:t>th</a:t>
-            </a:r>
-            <a:r>
-              <a:rPr lang="en-US" dirty="0"/>
-              <a:t> perc (use colors)</a:t>
-            </a:r>
-          </a:p>
-        </p:txBody>
-      </p:sp>
-      <p:sp>
-        <p:nvSpPr>
           <p:cNvPr id="3" name="Date Placeholder 2">
             <a:extLst>
               <a:ext uri="{FF2B5EF4-FFF2-40B4-BE49-F238E27FC236}">
@@ -11326,7 +11488,7 @@
           <a:p>
             <a:r>
               <a:rPr lang="en-US" dirty="0"/>
-              <a:t>September 23, 2020</a:t>
+              <a:t>September, 2020</a:t>
             </a:r>
           </a:p>
         </p:txBody>
@@ -11402,10 +11564,177 @@
           </a:p>
         </p:txBody>
       </p:sp>
+      <p:sp>
+        <p:nvSpPr>
+          <p:cNvPr id="12" name="Title 1">
+            <a:extLst>
+              <a:ext uri="{FF2B5EF4-FFF2-40B4-BE49-F238E27FC236}">
+                <a16:creationId xmlns:a16="http://schemas.microsoft.com/office/drawing/2014/main" id="{53B1267C-EC5B-405D-9992-51F0D543E1E9}"/>
+              </a:ext>
+            </a:extLst>
+          </p:cNvPr>
+          <p:cNvSpPr txBox="1">
+            <a:spLocks/>
+          </p:cNvSpPr>
+          <p:nvPr/>
+        </p:nvSpPr>
+        <p:spPr>
+          <a:xfrm>
+            <a:off x="454152" y="228600"/>
+            <a:ext cx="8534400" cy="758952"/>
+          </a:xfrm>
+          <a:prstGeom prst="rect">
+            <a:avLst/>
+          </a:prstGeom>
+        </p:spPr>
+        <p:txBody>
+          <a:bodyPr vert="horz" anchor="b">
+            <a:normAutofit fontScale="77500" lnSpcReduction="20000"/>
+          </a:bodyPr>
+          <a:lstStyle>
+            <a:lvl1pPr algn="ctr" rtl="0" eaLnBrk="1" latinLnBrk="0" hangingPunct="1">
+              <a:spcBef>
+                <a:spcPct val="0"/>
+              </a:spcBef>
+              <a:buNone/>
+              <a:defRPr kumimoji="0" sz="3300" kern="1200">
+                <a:solidFill>
+                  <a:srgbClr val="FF0000"/>
+                </a:solidFill>
+                <a:latin typeface="+mj-lt"/>
+                <a:ea typeface="+mj-ea"/>
+                <a:cs typeface="+mj-cs"/>
+              </a:defRPr>
+            </a:lvl1pPr>
+          </a:lstStyle>
+          <a:p>
+            <a:r>
+              <a:rPr lang="en-US" dirty="0"/>
+              <a:t>Comments on summary statistics for outcome variables in levels</a:t>
+            </a:r>
+          </a:p>
+        </p:txBody>
+      </p:sp>
+      <p:sp>
+        <p:nvSpPr>
+          <p:cNvPr id="8" name="Marcador de contenido 7">
+            <a:extLst>
+              <a:ext uri="{FF2B5EF4-FFF2-40B4-BE49-F238E27FC236}">
+                <a16:creationId xmlns:a16="http://schemas.microsoft.com/office/drawing/2014/main" id="{FB05F191-363F-4660-9B11-E558E61E3978}"/>
+              </a:ext>
+            </a:extLst>
+          </p:cNvPr>
+          <p:cNvSpPr txBox="1">
+            <a:spLocks noGrp="1"/>
+          </p:cNvSpPr>
+          <p:nvPr>
+            <p:ph sz="quarter" idx="1"/>
+          </p:nvPr>
+        </p:nvSpPr>
+        <p:spPr>
+          <a:xfrm>
+            <a:off x="320040" y="1600200"/>
+            <a:ext cx="8503920" cy="4708981"/>
+          </a:xfrm>
+          <a:prstGeom prst="rect">
+            <a:avLst/>
+          </a:prstGeom>
+          <a:noFill/>
+        </p:spPr>
+        <p:txBody>
+          <a:bodyPr wrap="square" rtlCol="0">
+            <a:spAutoFit/>
+          </a:bodyPr>
+          <a:lstStyle/>
+          <a:p>
+            <a:r>
+              <a:rPr lang="en-US" sz="2000" dirty="0"/>
+              <a:t>59 and 22 tracts meet definition #1 under the 75</a:t>
+            </a:r>
+            <a:r>
+              <a:rPr lang="en-US" sz="2000" baseline="30000" dirty="0"/>
+              <a:t>th</a:t>
+            </a:r>
+            <a:r>
+              <a:rPr lang="en-US" sz="2000" dirty="0"/>
+              <a:t> and 90</a:t>
+            </a:r>
+            <a:r>
+              <a:rPr lang="en-US" sz="2000" baseline="30000" dirty="0"/>
+              <a:t>th</a:t>
+            </a:r>
+            <a:r>
+              <a:rPr lang="en-US" sz="2000" dirty="0"/>
+              <a:t> percentile, respectively</a:t>
+            </a:r>
+          </a:p>
+          <a:p>
+            <a:endParaRPr lang="en-US" sz="2000" dirty="0"/>
+          </a:p>
+          <a:p>
+            <a:r>
+              <a:rPr lang="en-US" sz="2000" dirty="0"/>
+              <a:t>64 and 18 tracts meet definition #2 under the 75</a:t>
+            </a:r>
+            <a:r>
+              <a:rPr lang="en-US" sz="2000" baseline="30000" dirty="0"/>
+              <a:t>th</a:t>
+            </a:r>
+            <a:r>
+              <a:rPr lang="en-US" sz="2000" dirty="0"/>
+              <a:t> and 90</a:t>
+            </a:r>
+            <a:r>
+              <a:rPr lang="en-US" sz="2000" baseline="30000" dirty="0"/>
+              <a:t>th</a:t>
+            </a:r>
+            <a:r>
+              <a:rPr lang="en-US" sz="2000" dirty="0"/>
+              <a:t> percentile, respectively</a:t>
+            </a:r>
+          </a:p>
+          <a:p>
+            <a:endParaRPr lang="en-US" sz="2000" dirty="0"/>
+          </a:p>
+          <a:p>
+            <a:r>
+              <a:rPr lang="en-US" sz="2000" dirty="0"/>
+              <a:t>Gentrified tracts are initially less populated </a:t>
+            </a:r>
+          </a:p>
+          <a:p>
+            <a:endParaRPr lang="en-US" sz="2000" dirty="0"/>
+          </a:p>
+          <a:p>
+            <a:r>
+              <a:rPr lang="en-US" sz="2000" dirty="0"/>
+              <a:t>Higher share of Latino population</a:t>
+            </a:r>
+          </a:p>
+          <a:p>
+            <a:endParaRPr lang="en-US" sz="2000" dirty="0"/>
+          </a:p>
+          <a:p>
+            <a:r>
+              <a:rPr lang="en-US" sz="2000" dirty="0"/>
+              <a:t>Higher income and home values </a:t>
+            </a:r>
+          </a:p>
+          <a:p>
+            <a:endParaRPr lang="en-US" sz="2000" dirty="0"/>
+          </a:p>
+          <a:p>
+            <a:r>
+              <a:rPr lang="en-US" sz="2000" dirty="0"/>
+              <a:t>Median and Mean rents are similar</a:t>
+            </a:r>
+          </a:p>
+        </p:txBody>
+      </p:sp>
     </p:spTree>
     <p:extLst>
       <p:ext uri="{BB962C8B-B14F-4D97-AF65-F5344CB8AC3E}">
-        <p14:creationId xmlns:p14="http://schemas.microsoft.com/office/powerpoint/2010/main" val="212679096"/>
+        <p14:creationId xmlns:p14="http://schemas.microsoft.com/office/powerpoint/2010/main" val="3397186264"/>
       </p:ext>
     </p:extLst>
   </p:cSld>
@@ -11619,10 +11948,7 @@
             </a:r>
           </a:p>
           <a:p>
-            <a:r>
-              <a:rPr lang="en-US" dirty="0"/>
-              <a:t>Legislation </a:t>
-            </a:r>
+            <a:endParaRPr lang="en-US" dirty="0"/>
           </a:p>
           <a:p>
             <a:pPr marL="0" indent="0">
@@ -11692,7 +12018,7 @@
           <a:p>
             <a:r>
               <a:rPr lang="en-US" dirty="0"/>
-              <a:t>MAP of tracts increase home values under </a:t>
+              <a:t>MAP of tracts increase median income under </a:t>
             </a:r>
             <a:r>
               <a:rPr lang="en-US" dirty="0" err="1"/>
@@ -11815,7 +12141,7 @@
     </p:spTree>
     <p:extLst>
       <p:ext uri="{BB962C8B-B14F-4D97-AF65-F5344CB8AC3E}">
-        <p14:creationId xmlns:p14="http://schemas.microsoft.com/office/powerpoint/2010/main" val="622047659"/>
+        <p14:creationId xmlns:p14="http://schemas.microsoft.com/office/powerpoint/2010/main" val="212679096"/>
       </p:ext>
     </p:extLst>
   </p:cSld>
@@ -11844,6 +12170,57 @@
       </p:grpSpPr>
       <p:sp>
         <p:nvSpPr>
+          <p:cNvPr id="2" name="Title 1">
+            <a:extLst>
+              <a:ext uri="{FF2B5EF4-FFF2-40B4-BE49-F238E27FC236}">
+                <a16:creationId xmlns:a16="http://schemas.microsoft.com/office/drawing/2014/main" id="{169B9A88-464A-954D-B31F-2A8C51265C08}"/>
+              </a:ext>
+            </a:extLst>
+          </p:cNvPr>
+          <p:cNvSpPr>
+            <a:spLocks noGrp="1"/>
+          </p:cNvSpPr>
+          <p:nvPr>
+            <p:ph type="title"/>
+          </p:nvPr>
+        </p:nvSpPr>
+        <p:spPr>
+          <a:xfrm>
+            <a:off x="301752" y="384048"/>
+            <a:ext cx="8534400" cy="758952"/>
+          </a:xfrm>
+        </p:spPr>
+        <p:txBody>
+          <a:bodyPr>
+            <a:normAutofit fontScale="90000"/>
+          </a:bodyPr>
+          <a:lstStyle/>
+          <a:p>
+            <a:r>
+              <a:rPr lang="en-US" dirty="0"/>
+              <a:t>MAP of tracts increase home values under </a:t>
+            </a:r>
+            <a:r>
+              <a:rPr lang="en-US" dirty="0" err="1"/>
+              <a:t>defition</a:t>
+            </a:r>
+            <a:r>
+              <a:rPr lang="en-US" dirty="0"/>
+              <a:t> #1 at the 75</a:t>
+            </a:r>
+            <a:r>
+              <a:rPr lang="en-US" baseline="30000" dirty="0"/>
+              <a:t>th</a:t>
+            </a:r>
+            <a:r>
+              <a:rPr lang="en-US" dirty="0"/>
+              <a:t> perc (use colors)</a:t>
+            </a:r>
+          </a:p>
+        </p:txBody>
+      </p:sp>
+      <p:sp>
+        <p:nvSpPr>
           <p:cNvPr id="3" name="Date Placeholder 2">
             <a:extLst>
               <a:ext uri="{FF2B5EF4-FFF2-40B4-BE49-F238E27FC236}">
@@ -11865,7 +12242,7 @@
           <a:p>
             <a:r>
               <a:rPr lang="en-US" dirty="0"/>
-              <a:t>September, 2020</a:t>
+              <a:t>September 23, 2020</a:t>
             </a:r>
           </a:p>
         </p:txBody>
@@ -11941,131 +12318,10 @@
           </a:p>
         </p:txBody>
       </p:sp>
-      <p:sp>
-        <p:nvSpPr>
-          <p:cNvPr id="12" name="Title 1">
-            <a:extLst>
-              <a:ext uri="{FF2B5EF4-FFF2-40B4-BE49-F238E27FC236}">
-                <a16:creationId xmlns:a16="http://schemas.microsoft.com/office/drawing/2014/main" id="{53B1267C-EC5B-405D-9992-51F0D543E1E9}"/>
-              </a:ext>
-            </a:extLst>
-          </p:cNvPr>
-          <p:cNvSpPr txBox="1">
-            <a:spLocks/>
-          </p:cNvSpPr>
-          <p:nvPr/>
-        </p:nvSpPr>
-        <p:spPr>
-          <a:xfrm>
-            <a:off x="454152" y="228600"/>
-            <a:ext cx="8534400" cy="758952"/>
-          </a:xfrm>
-          <a:prstGeom prst="rect">
-            <a:avLst/>
-          </a:prstGeom>
-        </p:spPr>
-        <p:txBody>
-          <a:bodyPr vert="horz" anchor="b">
-            <a:normAutofit/>
-          </a:bodyPr>
-          <a:lstStyle>
-            <a:lvl1pPr algn="ctr" rtl="0" eaLnBrk="1" latinLnBrk="0" hangingPunct="1">
-              <a:spcBef>
-                <a:spcPct val="0"/>
-              </a:spcBef>
-              <a:buNone/>
-              <a:defRPr kumimoji="0" sz="3300" kern="1200">
-                <a:solidFill>
-                  <a:srgbClr val="FF0000"/>
-                </a:solidFill>
-                <a:latin typeface="+mj-lt"/>
-                <a:ea typeface="+mj-ea"/>
-                <a:cs typeface="+mj-cs"/>
-              </a:defRPr>
-            </a:lvl1pPr>
-          </a:lstStyle>
-          <a:p>
-            <a:r>
-              <a:rPr lang="en-US" dirty="0"/>
-              <a:t>Summary Statistics – Changes – Def. #1   </a:t>
-            </a:r>
-          </a:p>
-        </p:txBody>
-      </p:sp>
-      <p:pic>
-        <p:nvPicPr>
-          <p:cNvPr id="2" name="Imagen 1">
-            <a:extLst>
-              <a:ext uri="{FF2B5EF4-FFF2-40B4-BE49-F238E27FC236}">
-                <a16:creationId xmlns:a16="http://schemas.microsoft.com/office/drawing/2014/main" id="{BC1B1444-A90F-4E9E-A690-F4226DE67F79}"/>
-              </a:ext>
-            </a:extLst>
-          </p:cNvPr>
-          <p:cNvPicPr>
-            <a:picLocks noChangeAspect="1"/>
-          </p:cNvPicPr>
-          <p:nvPr/>
-        </p:nvPicPr>
-        <p:blipFill rotWithShape="1">
-          <a:blip r:embed="rId2"/>
-          <a:srcRect l="24167" t="20371" r="23333" b="12963"/>
-          <a:stretch/>
-        </p:blipFill>
-        <p:spPr>
-          <a:xfrm>
-            <a:off x="381000" y="1600199"/>
-            <a:ext cx="6324600" cy="4517571"/>
-          </a:xfrm>
-          <a:prstGeom prst="rect">
-            <a:avLst/>
-          </a:prstGeom>
-        </p:spPr>
-      </p:pic>
-      <p:sp>
-        <p:nvSpPr>
-          <p:cNvPr id="7" name="CuadroTexto 6">
-            <a:extLst>
-              <a:ext uri="{FF2B5EF4-FFF2-40B4-BE49-F238E27FC236}">
-                <a16:creationId xmlns:a16="http://schemas.microsoft.com/office/drawing/2014/main" id="{6884B04C-AB18-4CB6-9C43-414D061A9425}"/>
-              </a:ext>
-            </a:extLst>
-          </p:cNvPr>
-          <p:cNvSpPr txBox="1"/>
-          <p:nvPr/>
-        </p:nvSpPr>
-        <p:spPr>
-          <a:xfrm>
-            <a:off x="6629400" y="1501676"/>
-            <a:ext cx="2209800" cy="4801314"/>
-          </a:xfrm>
-          <a:prstGeom prst="rect">
-            <a:avLst/>
-          </a:prstGeom>
-          <a:noFill/>
-        </p:spPr>
-        <p:txBody>
-          <a:bodyPr wrap="square" rtlCol="0">
-            <a:spAutoFit/>
-          </a:bodyPr>
-          <a:lstStyle/>
-          <a:p>
-            <a:r>
-              <a:rPr lang="en-US" dirty="0"/>
-              <a:t>Comments: Home values, rents, income, and population increase significantly in gentrified tracts. Gentrification locates significantly more in Latino tracts. </a:t>
-            </a:r>
-          </a:p>
-          <a:p>
-            <a:r>
-              <a:rPr lang="en-US" dirty="0"/>
-              <a:t>Home values increase between 12% and 18%, and rents increase between 16 and 23% in gentrified tracts</a:t>
-            </a:r>
-          </a:p>
-        </p:txBody>
-      </p:sp>
     </p:spTree>
     <p:extLst>
       <p:ext uri="{BB962C8B-B14F-4D97-AF65-F5344CB8AC3E}">
-        <p14:creationId xmlns:p14="http://schemas.microsoft.com/office/powerpoint/2010/main" val="1266357860"/>
+        <p14:creationId xmlns:p14="http://schemas.microsoft.com/office/powerpoint/2010/main" val="622047659"/>
       </p:ext>
     </p:extLst>
   </p:cSld>
@@ -12216,7 +12472,7 @@
         </p:spPr>
         <p:txBody>
           <a:bodyPr vert="horz" anchor="b">
-            <a:normAutofit fontScale="85000" lnSpcReduction="10000"/>
+            <a:normAutofit/>
           </a:bodyPr>
           <a:lstStyle>
             <a:lvl1pPr algn="ctr" rtl="0" eaLnBrk="1" latinLnBrk="0" hangingPunct="1">
@@ -12237,56 +12493,44 @@
           <a:p>
             <a:r>
               <a:rPr lang="en-US" dirty="0"/>
-              <a:t>Bullet comments on summary statistics under def #1   </a:t>
-            </a:r>
-          </a:p>
-        </p:txBody>
-      </p:sp>
-      <p:sp>
-        <p:nvSpPr>
-          <p:cNvPr id="7" name="CuadroTexto 6">
+              <a:t>Summary Statistics – Changes – Def. #1   </a:t>
+            </a:r>
+          </a:p>
+        </p:txBody>
+      </p:sp>
+      <p:pic>
+        <p:nvPicPr>
+          <p:cNvPr id="2" name="Imagen 1">
             <a:extLst>
               <a:ext uri="{FF2B5EF4-FFF2-40B4-BE49-F238E27FC236}">
-                <a16:creationId xmlns:a16="http://schemas.microsoft.com/office/drawing/2014/main" id="{6884B04C-AB18-4CB6-9C43-414D061A9425}"/>
+                <a16:creationId xmlns:a16="http://schemas.microsoft.com/office/drawing/2014/main" id="{BC1B1444-A90F-4E9E-A690-F4226DE67F79}"/>
               </a:ext>
             </a:extLst>
           </p:cNvPr>
-          <p:cNvSpPr txBox="1"/>
+          <p:cNvPicPr>
+            <a:picLocks noChangeAspect="1"/>
+          </p:cNvPicPr>
           <p:nvPr/>
-        </p:nvSpPr>
+        </p:nvPicPr>
+        <p:blipFill rotWithShape="1">
+          <a:blip r:embed="rId2"/>
+          <a:srcRect l="24167" t="20371" r="23333" b="12963"/>
+          <a:stretch/>
+        </p:blipFill>
         <p:spPr>
           <a:xfrm>
-            <a:off x="609600" y="1771471"/>
-            <a:ext cx="8229600" cy="1200329"/>
+            <a:off x="1237488" y="1615270"/>
+            <a:ext cx="6705600" cy="4789714"/>
           </a:xfrm>
           <a:prstGeom prst="rect">
             <a:avLst/>
           </a:prstGeom>
-          <a:noFill/>
-        </p:spPr>
-        <p:txBody>
-          <a:bodyPr wrap="square" rtlCol="0">
-            <a:spAutoFit/>
-          </a:bodyPr>
-          <a:lstStyle/>
-          <a:p>
-            <a:r>
-              <a:rPr lang="en-US" dirty="0"/>
-              <a:t>Comments: Home values, rents, income, and population increase significantly in gentrified tracts. Gentrification locates significantly more in Latino tracts. </a:t>
-            </a:r>
-          </a:p>
-          <a:p>
-            <a:r>
-              <a:rPr lang="en-US" dirty="0"/>
-              <a:t>Home values increase between 12% and 18%, and rents increase between 16 and 23% in gentrified tracts</a:t>
-            </a:r>
-          </a:p>
-        </p:txBody>
-      </p:sp>
+        </p:spPr>
+      </p:pic>
     </p:spTree>
     <p:extLst>
       <p:ext uri="{BB962C8B-B14F-4D97-AF65-F5344CB8AC3E}">
-        <p14:creationId xmlns:p14="http://schemas.microsoft.com/office/powerpoint/2010/main" val="1557532265"/>
+        <p14:creationId xmlns:p14="http://schemas.microsoft.com/office/powerpoint/2010/main" val="1266357860"/>
       </p:ext>
     </p:extLst>
   </p:cSld>
@@ -12315,57 +12559,6 @@
       </p:grpSpPr>
       <p:sp>
         <p:nvSpPr>
-          <p:cNvPr id="2" name="Title 1">
-            <a:extLst>
-              <a:ext uri="{FF2B5EF4-FFF2-40B4-BE49-F238E27FC236}">
-                <a16:creationId xmlns:a16="http://schemas.microsoft.com/office/drawing/2014/main" id="{169B9A88-464A-954D-B31F-2A8C51265C08}"/>
-              </a:ext>
-            </a:extLst>
-          </p:cNvPr>
-          <p:cNvSpPr>
-            <a:spLocks noGrp="1"/>
-          </p:cNvSpPr>
-          <p:nvPr>
-            <p:ph type="title"/>
-          </p:nvPr>
-        </p:nvSpPr>
-        <p:spPr>
-          <a:xfrm>
-            <a:off x="301752" y="384048"/>
-            <a:ext cx="8534400" cy="758952"/>
-          </a:xfrm>
-        </p:spPr>
-        <p:txBody>
-          <a:bodyPr>
-            <a:normAutofit fontScale="90000"/>
-          </a:bodyPr>
-          <a:lstStyle/>
-          <a:p>
-            <a:r>
-              <a:rPr lang="en-US" dirty="0"/>
-              <a:t>MAP of tracts increase median income under </a:t>
-            </a:r>
-            <a:r>
-              <a:rPr lang="en-US" dirty="0" err="1"/>
-              <a:t>defition</a:t>
-            </a:r>
-            <a:r>
-              <a:rPr lang="en-US" dirty="0"/>
-              <a:t> #2 at the 75</a:t>
-            </a:r>
-            <a:r>
-              <a:rPr lang="en-US" baseline="30000" dirty="0"/>
-              <a:t>th</a:t>
-            </a:r>
-            <a:r>
-              <a:rPr lang="en-US" dirty="0"/>
-              <a:t> perc (use colors)</a:t>
-            </a:r>
-          </a:p>
-        </p:txBody>
-      </p:sp>
-      <p:sp>
-        <p:nvSpPr>
           <p:cNvPr id="3" name="Date Placeholder 2">
             <a:extLst>
               <a:ext uri="{FF2B5EF4-FFF2-40B4-BE49-F238E27FC236}">
@@ -12387,7 +12580,7 @@
           <a:p>
             <a:r>
               <a:rPr lang="en-US" dirty="0"/>
-              <a:t>September 23, 2020</a:t>
+              <a:t>September, 2020</a:t>
             </a:r>
           </a:p>
         </p:txBody>
@@ -12463,10 +12656,118 @@
           </a:p>
         </p:txBody>
       </p:sp>
+      <p:sp>
+        <p:nvSpPr>
+          <p:cNvPr id="12" name="Title 1">
+            <a:extLst>
+              <a:ext uri="{FF2B5EF4-FFF2-40B4-BE49-F238E27FC236}">
+                <a16:creationId xmlns:a16="http://schemas.microsoft.com/office/drawing/2014/main" id="{53B1267C-EC5B-405D-9992-51F0D543E1E9}"/>
+              </a:ext>
+            </a:extLst>
+          </p:cNvPr>
+          <p:cNvSpPr txBox="1">
+            <a:spLocks/>
+          </p:cNvSpPr>
+          <p:nvPr/>
+        </p:nvSpPr>
+        <p:spPr>
+          <a:xfrm>
+            <a:off x="454152" y="228600"/>
+            <a:ext cx="8534400" cy="758952"/>
+          </a:xfrm>
+          <a:prstGeom prst="rect">
+            <a:avLst/>
+          </a:prstGeom>
+        </p:spPr>
+        <p:txBody>
+          <a:bodyPr vert="horz" anchor="b">
+            <a:normAutofit fontScale="85000" lnSpcReduction="10000"/>
+          </a:bodyPr>
+          <a:lstStyle>
+            <a:lvl1pPr algn="ctr" rtl="0" eaLnBrk="1" latinLnBrk="0" hangingPunct="1">
+              <a:spcBef>
+                <a:spcPct val="0"/>
+              </a:spcBef>
+              <a:buNone/>
+              <a:defRPr kumimoji="0" sz="3300" kern="1200">
+                <a:solidFill>
+                  <a:srgbClr val="FF0000"/>
+                </a:solidFill>
+                <a:latin typeface="+mj-lt"/>
+                <a:ea typeface="+mj-ea"/>
+                <a:cs typeface="+mj-cs"/>
+              </a:defRPr>
+            </a:lvl1pPr>
+          </a:lstStyle>
+          <a:p>
+            <a:r>
+              <a:rPr lang="en-US" dirty="0"/>
+              <a:t>Bullet comments on summary statistics under def #1   </a:t>
+            </a:r>
+          </a:p>
+        </p:txBody>
+      </p:sp>
+      <p:sp>
+        <p:nvSpPr>
+          <p:cNvPr id="8" name="Marcador de contenido 7">
+            <a:extLst>
+              <a:ext uri="{FF2B5EF4-FFF2-40B4-BE49-F238E27FC236}">
+                <a16:creationId xmlns:a16="http://schemas.microsoft.com/office/drawing/2014/main" id="{FB05F191-363F-4660-9B11-E558E61E3978}"/>
+              </a:ext>
+            </a:extLst>
+          </p:cNvPr>
+          <p:cNvSpPr txBox="1">
+            <a:spLocks noGrp="1"/>
+          </p:cNvSpPr>
+          <p:nvPr>
+            <p:ph sz="quarter" idx="1"/>
+          </p:nvPr>
+        </p:nvSpPr>
+        <p:spPr>
+          <a:xfrm>
+            <a:off x="320040" y="1752600"/>
+            <a:ext cx="8503920" cy="4315027"/>
+          </a:xfrm>
+          <a:prstGeom prst="rect">
+            <a:avLst/>
+          </a:prstGeom>
+          <a:noFill/>
+        </p:spPr>
+        <p:txBody>
+          <a:bodyPr wrap="square" rtlCol="0">
+            <a:spAutoFit/>
+          </a:bodyPr>
+          <a:lstStyle/>
+          <a:p>
+            <a:r>
+              <a:rPr lang="en-US" sz="2800" dirty="0"/>
+              <a:t>Home values, rents, income, and population increase significantly in gentrified tracts</a:t>
+            </a:r>
+          </a:p>
+          <a:p>
+            <a:endParaRPr lang="en-US" sz="2800" dirty="0"/>
+          </a:p>
+          <a:p>
+            <a:r>
+              <a:rPr lang="en-US" sz="2800" dirty="0"/>
+              <a:t> Gentrification occurs mainly in Latino tracts and neighborhoods </a:t>
+            </a:r>
+          </a:p>
+          <a:p>
+            <a:endParaRPr lang="en-US" sz="2800" dirty="0"/>
+          </a:p>
+          <a:p>
+            <a:r>
+              <a:rPr lang="en-US" sz="2800" dirty="0"/>
+              <a:t>Home values increase between 12% and 18%, and rents increase between 16% and 23% in gentrified tracts between 2013 and 2018 in gentrified tracts</a:t>
+            </a:r>
+          </a:p>
+        </p:txBody>
+      </p:sp>
     </p:spTree>
     <p:extLst>
       <p:ext uri="{BB962C8B-B14F-4D97-AF65-F5344CB8AC3E}">
-        <p14:creationId xmlns:p14="http://schemas.microsoft.com/office/powerpoint/2010/main" val="2654417994"/>
+        <p14:creationId xmlns:p14="http://schemas.microsoft.com/office/powerpoint/2010/main" val="1557532265"/>
       </p:ext>
     </p:extLst>
   </p:cSld>
@@ -12523,7 +12824,7 @@
           <a:p>
             <a:r>
               <a:rPr lang="en-US" dirty="0"/>
-              <a:t>MAP of tracts increase home values under </a:t>
+              <a:t>MAP of tracts increase median income under </a:t>
             </a:r>
             <a:r>
               <a:rPr lang="en-US" dirty="0" err="1"/>
@@ -12646,7 +12947,7 @@
     </p:spTree>
     <p:extLst>
       <p:ext uri="{BB962C8B-B14F-4D97-AF65-F5344CB8AC3E}">
-        <p14:creationId xmlns:p14="http://schemas.microsoft.com/office/powerpoint/2010/main" val="2847354468"/>
+        <p14:creationId xmlns:p14="http://schemas.microsoft.com/office/powerpoint/2010/main" val="2654417994"/>
       </p:ext>
     </p:extLst>
   </p:cSld>
@@ -12675,6 +12976,57 @@
       </p:grpSpPr>
       <p:sp>
         <p:nvSpPr>
+          <p:cNvPr id="2" name="Title 1">
+            <a:extLst>
+              <a:ext uri="{FF2B5EF4-FFF2-40B4-BE49-F238E27FC236}">
+                <a16:creationId xmlns:a16="http://schemas.microsoft.com/office/drawing/2014/main" id="{169B9A88-464A-954D-B31F-2A8C51265C08}"/>
+              </a:ext>
+            </a:extLst>
+          </p:cNvPr>
+          <p:cNvSpPr>
+            <a:spLocks noGrp="1"/>
+          </p:cNvSpPr>
+          <p:nvPr>
+            <p:ph type="title"/>
+          </p:nvPr>
+        </p:nvSpPr>
+        <p:spPr>
+          <a:xfrm>
+            <a:off x="301752" y="384048"/>
+            <a:ext cx="8534400" cy="758952"/>
+          </a:xfrm>
+        </p:spPr>
+        <p:txBody>
+          <a:bodyPr>
+            <a:normAutofit fontScale="90000"/>
+          </a:bodyPr>
+          <a:lstStyle/>
+          <a:p>
+            <a:r>
+              <a:rPr lang="en-US" dirty="0"/>
+              <a:t>MAP of tracts increase home values under </a:t>
+            </a:r>
+            <a:r>
+              <a:rPr lang="en-US" dirty="0" err="1"/>
+              <a:t>defition</a:t>
+            </a:r>
+            <a:r>
+              <a:rPr lang="en-US" dirty="0"/>
+              <a:t> #2 at the 75</a:t>
+            </a:r>
+            <a:r>
+              <a:rPr lang="en-US" baseline="30000" dirty="0"/>
+              <a:t>th</a:t>
+            </a:r>
+            <a:r>
+              <a:rPr lang="en-US" dirty="0"/>
+              <a:t> perc (use colors)</a:t>
+            </a:r>
+          </a:p>
+        </p:txBody>
+      </p:sp>
+      <p:sp>
+        <p:nvSpPr>
           <p:cNvPr id="3" name="Date Placeholder 2">
             <a:extLst>
               <a:ext uri="{FF2B5EF4-FFF2-40B4-BE49-F238E27FC236}">
@@ -12696,7 +13048,7 @@
           <a:p>
             <a:r>
               <a:rPr lang="en-US" dirty="0"/>
-              <a:t>September, 2020</a:t>
+              <a:t>September 23, 2020</a:t>
             </a:r>
           </a:p>
         </p:txBody>
@@ -12772,90 +13124,10 @@
           </a:p>
         </p:txBody>
       </p:sp>
-      <p:sp>
-        <p:nvSpPr>
-          <p:cNvPr id="12" name="Title 1">
-            <a:extLst>
-              <a:ext uri="{FF2B5EF4-FFF2-40B4-BE49-F238E27FC236}">
-                <a16:creationId xmlns:a16="http://schemas.microsoft.com/office/drawing/2014/main" id="{53B1267C-EC5B-405D-9992-51F0D543E1E9}"/>
-              </a:ext>
-            </a:extLst>
-          </p:cNvPr>
-          <p:cNvSpPr txBox="1">
-            <a:spLocks/>
-          </p:cNvSpPr>
-          <p:nvPr/>
-        </p:nvSpPr>
-        <p:spPr>
-          <a:xfrm>
-            <a:off x="454152" y="228600"/>
-            <a:ext cx="8534400" cy="758952"/>
-          </a:xfrm>
-          <a:prstGeom prst="rect">
-            <a:avLst/>
-          </a:prstGeom>
-        </p:spPr>
-        <p:txBody>
-          <a:bodyPr vert="horz" anchor="b">
-            <a:normAutofit/>
-          </a:bodyPr>
-          <a:lstStyle>
-            <a:lvl1pPr algn="ctr" rtl="0" eaLnBrk="1" latinLnBrk="0" hangingPunct="1">
-              <a:spcBef>
-                <a:spcPct val="0"/>
-              </a:spcBef>
-              <a:buNone/>
-              <a:defRPr kumimoji="0" sz="3300" kern="1200">
-                <a:solidFill>
-                  <a:srgbClr val="FF0000"/>
-                </a:solidFill>
-                <a:latin typeface="+mj-lt"/>
-                <a:ea typeface="+mj-ea"/>
-                <a:cs typeface="+mj-cs"/>
-              </a:defRPr>
-            </a:lvl1pPr>
-          </a:lstStyle>
-          <a:p>
-            <a:r>
-              <a:rPr lang="en-US" dirty="0"/>
-              <a:t>Summary Statistics – Changes – Def. #2 </a:t>
-            </a:r>
-          </a:p>
-        </p:txBody>
-      </p:sp>
-      <p:pic>
-        <p:nvPicPr>
-          <p:cNvPr id="4" name="Imagen 3">
-            <a:extLst>
-              <a:ext uri="{FF2B5EF4-FFF2-40B4-BE49-F238E27FC236}">
-                <a16:creationId xmlns:a16="http://schemas.microsoft.com/office/drawing/2014/main" id="{1142E8B4-A674-4308-819D-5E2CC0C76481}"/>
-              </a:ext>
-            </a:extLst>
-          </p:cNvPr>
-          <p:cNvPicPr>
-            <a:picLocks noChangeAspect="1"/>
-          </p:cNvPicPr>
-          <p:nvPr/>
-        </p:nvPicPr>
-        <p:blipFill rotWithShape="1">
-          <a:blip r:embed="rId2"/>
-          <a:srcRect l="24999" t="18889" r="25000" b="12963"/>
-          <a:stretch/>
-        </p:blipFill>
-        <p:spPr>
-          <a:xfrm>
-            <a:off x="533400" y="1600200"/>
-            <a:ext cx="5867400" cy="4498340"/>
-          </a:xfrm>
-          <a:prstGeom prst="rect">
-            <a:avLst/>
-          </a:prstGeom>
-        </p:spPr>
-      </p:pic>
     </p:spTree>
     <p:extLst>
       <p:ext uri="{BB962C8B-B14F-4D97-AF65-F5344CB8AC3E}">
-        <p14:creationId xmlns:p14="http://schemas.microsoft.com/office/powerpoint/2010/main" val="1169067725"/>
+        <p14:creationId xmlns:p14="http://schemas.microsoft.com/office/powerpoint/2010/main" val="2847354468"/>
       </p:ext>
     </p:extLst>
   </p:cSld>
@@ -13006,7 +13278,7 @@
         </p:spPr>
         <p:txBody>
           <a:bodyPr vert="horz" anchor="b">
-            <a:normAutofit fontScale="85000" lnSpcReduction="10000"/>
+            <a:normAutofit/>
           </a:bodyPr>
           <a:lstStyle>
             <a:lvl1pPr algn="ctr" rtl="0" eaLnBrk="1" latinLnBrk="0" hangingPunct="1">
@@ -13027,56 +13299,44 @@
           <a:p>
             <a:r>
               <a:rPr lang="en-US" dirty="0"/>
-              <a:t>Bullet comments on summary statistics under def #2   </a:t>
-            </a:r>
-          </a:p>
-        </p:txBody>
-      </p:sp>
-      <p:sp>
-        <p:nvSpPr>
-          <p:cNvPr id="2" name="CuadroTexto 1">
+              <a:t>Summary Statistics – Changes – Def. #2 </a:t>
+            </a:r>
+          </a:p>
+        </p:txBody>
+      </p:sp>
+      <p:pic>
+        <p:nvPicPr>
+          <p:cNvPr id="4" name="Imagen 3">
             <a:extLst>
               <a:ext uri="{FF2B5EF4-FFF2-40B4-BE49-F238E27FC236}">
-                <a16:creationId xmlns:a16="http://schemas.microsoft.com/office/drawing/2014/main" id="{430A14F3-672D-4F56-AE20-21960C2C0DF3}"/>
+                <a16:creationId xmlns:a16="http://schemas.microsoft.com/office/drawing/2014/main" id="{1142E8B4-A674-4308-819D-5E2CC0C76481}"/>
               </a:ext>
             </a:extLst>
           </p:cNvPr>
-          <p:cNvSpPr txBox="1"/>
+          <p:cNvPicPr>
+            <a:picLocks noChangeAspect="1"/>
+          </p:cNvPicPr>
           <p:nvPr/>
-        </p:nvSpPr>
+        </p:nvPicPr>
+        <p:blipFill rotWithShape="1">
+          <a:blip r:embed="rId2"/>
+          <a:srcRect l="24999" t="18889" r="25000" b="12963"/>
+          <a:stretch/>
+        </p:blipFill>
         <p:spPr>
           <a:xfrm>
-            <a:off x="838200" y="1501676"/>
-            <a:ext cx="8001000" cy="1477328"/>
+            <a:off x="1584789" y="1600200"/>
+            <a:ext cx="5974422" cy="4580391"/>
           </a:xfrm>
           <a:prstGeom prst="rect">
             <a:avLst/>
           </a:prstGeom>
-          <a:noFill/>
-        </p:spPr>
-        <p:txBody>
-          <a:bodyPr wrap="square" rtlCol="0">
-            <a:spAutoFit/>
-          </a:bodyPr>
-          <a:lstStyle/>
-          <a:p>
-            <a:r>
-              <a:rPr lang="en-US" dirty="0"/>
-              <a:t>Comments: Home values, rents, income, and population increase significantly in gentrified tracts. Gentrification locates significantly more in Latino tracts. </a:t>
-            </a:r>
-          </a:p>
-          <a:p>
-            <a:r>
-              <a:rPr lang="en-US" dirty="0"/>
-              <a:t>Home values increase on average between 13% and 22%, and rents increase between 18 and 20% in gentrified tracts</a:t>
-            </a:r>
-          </a:p>
-        </p:txBody>
-      </p:sp>
+        </p:spPr>
+      </p:pic>
     </p:spTree>
     <p:extLst>
       <p:ext uri="{BB962C8B-B14F-4D97-AF65-F5344CB8AC3E}">
-        <p14:creationId xmlns:p14="http://schemas.microsoft.com/office/powerpoint/2010/main" val="1572944154"/>
+        <p14:creationId xmlns:p14="http://schemas.microsoft.com/office/powerpoint/2010/main" val="1169067725"/>
       </p:ext>
     </p:extLst>
   </p:cSld>
@@ -13105,10 +13365,10 @@
       </p:grpSpPr>
       <p:sp>
         <p:nvSpPr>
-          <p:cNvPr id="2" name="Título 1">
+          <p:cNvPr id="3" name="Date Placeholder 2">
             <a:extLst>
               <a:ext uri="{FF2B5EF4-FFF2-40B4-BE49-F238E27FC236}">
-                <a16:creationId xmlns:a16="http://schemas.microsoft.com/office/drawing/2014/main" id="{AC6C702B-5CB8-40A3-AF13-3F95588C64F0}"/>
+                <a16:creationId xmlns:a16="http://schemas.microsoft.com/office/drawing/2014/main" id="{E4620B63-6E09-3340-8472-06EF525D1795}"/>
               </a:ext>
             </a:extLst>
           </p:cNvPr>
@@ -13116,7 +13376,7 @@
             <a:spLocks noGrp="1"/>
           </p:cNvSpPr>
           <p:nvPr>
-            <p:ph type="title"/>
+            <p:ph type="dt" sz="half" idx="10"/>
           </p:nvPr>
         </p:nvSpPr>
         <p:spPr/>
@@ -13126,17 +13386,17 @@
           <a:p>
             <a:r>
               <a:rPr lang="en-US" dirty="0"/>
-              <a:t>Recommendations for legislation </a:t>
-            </a:r>
-          </a:p>
-        </p:txBody>
-      </p:sp>
-      <p:sp>
-        <p:nvSpPr>
-          <p:cNvPr id="3" name="Marcador de fecha 2">
+              <a:t>September, 2020</a:t>
+            </a:r>
+          </a:p>
+        </p:txBody>
+      </p:sp>
+      <p:sp>
+        <p:nvSpPr>
+          <p:cNvPr id="6" name="Footer Placeholder 5">
             <a:extLst>
               <a:ext uri="{FF2B5EF4-FFF2-40B4-BE49-F238E27FC236}">
-                <a16:creationId xmlns:a16="http://schemas.microsoft.com/office/drawing/2014/main" id="{3E1FB85C-E6E3-4EC2-B6B0-478AE195AC2F}"/>
+                <a16:creationId xmlns:a16="http://schemas.microsoft.com/office/drawing/2014/main" id="{D0C1233A-AA0D-034A-962E-091CD32FF84D}"/>
               </a:ext>
             </a:extLst>
           </p:cNvPr>
@@ -13144,7 +13404,7 @@
             <a:spLocks noGrp="1"/>
           </p:cNvSpPr>
           <p:nvPr>
-            <p:ph type="dt" sz="half" idx="10"/>
+            <p:ph type="ftr" sz="quarter" idx="11"/>
           </p:nvPr>
         </p:nvSpPr>
         <p:spPr/>
@@ -13154,7 +13414,7 @@
           <a:p>
             <a:r>
               <a:rPr lang="en-US"/>
-              <a:t>July 23, 2020</a:t>
+              <a:t>© 2020, Center for Tax and Budget Accountability </a:t>
             </a:r>
             <a:endParaRPr lang="en-US" dirty="0"/>
           </a:p>
@@ -13162,10 +13422,10 @@
       </p:sp>
       <p:sp>
         <p:nvSpPr>
-          <p:cNvPr id="4" name="Marcador de número de diapositiva 3">
+          <p:cNvPr id="9" name="Slide Number Placeholder 8">
             <a:extLst>
               <a:ext uri="{FF2B5EF4-FFF2-40B4-BE49-F238E27FC236}">
-                <a16:creationId xmlns:a16="http://schemas.microsoft.com/office/drawing/2014/main" id="{6E2FFF5C-3742-462B-BD30-23A29E5B27C5}"/>
+                <a16:creationId xmlns:a16="http://schemas.microsoft.com/office/drawing/2014/main" id="{83BBD94E-6907-8D47-992E-6BA63857546C}"/>
               </a:ext>
             </a:extLst>
           </p:cNvPr>
@@ -13204,62 +13464,119 @@
       </p:sp>
       <p:sp>
         <p:nvSpPr>
-          <p:cNvPr id="5" name="Marcador de contenido 4">
+          <p:cNvPr id="12" name="Title 1">
             <a:extLst>
               <a:ext uri="{FF2B5EF4-FFF2-40B4-BE49-F238E27FC236}">
-                <a16:creationId xmlns:a16="http://schemas.microsoft.com/office/drawing/2014/main" id="{ABE1A2D2-31CB-4432-A928-6C9A5FC1D964}"/>
+                <a16:creationId xmlns:a16="http://schemas.microsoft.com/office/drawing/2014/main" id="{53B1267C-EC5B-405D-9992-51F0D543E1E9}"/>
               </a:ext>
             </a:extLst>
           </p:cNvPr>
-          <p:cNvSpPr>
-            <a:spLocks noGrp="1"/>
-          </p:cNvSpPr>
-          <p:nvPr>
-            <p:ph sz="quarter" idx="1"/>
-          </p:nvPr>
-        </p:nvSpPr>
-        <p:spPr/>
-        <p:txBody>
-          <a:bodyPr/>
-          <a:lstStyle/>
-          <a:p>
-            <a:endParaRPr lang="en-US"/>
-          </a:p>
-        </p:txBody>
-      </p:sp>
-      <p:sp>
-        <p:nvSpPr>
-          <p:cNvPr id="6" name="Marcador de pie de página 5">
+          <p:cNvSpPr txBox="1">
+            <a:spLocks/>
+          </p:cNvSpPr>
+          <p:nvPr/>
+        </p:nvSpPr>
+        <p:spPr>
+          <a:xfrm>
+            <a:off x="454152" y="228600"/>
+            <a:ext cx="8534400" cy="758952"/>
+          </a:xfrm>
+          <a:prstGeom prst="rect">
+            <a:avLst/>
+          </a:prstGeom>
+        </p:spPr>
+        <p:txBody>
+          <a:bodyPr vert="horz" anchor="b">
+            <a:normAutofit fontScale="85000" lnSpcReduction="10000"/>
+          </a:bodyPr>
+          <a:lstStyle>
+            <a:lvl1pPr algn="ctr" rtl="0" eaLnBrk="1" latinLnBrk="0" hangingPunct="1">
+              <a:spcBef>
+                <a:spcPct val="0"/>
+              </a:spcBef>
+              <a:buNone/>
+              <a:defRPr kumimoji="0" sz="3300" kern="1200">
+                <a:solidFill>
+                  <a:srgbClr val="FF0000"/>
+                </a:solidFill>
+                <a:latin typeface="+mj-lt"/>
+                <a:ea typeface="+mj-ea"/>
+                <a:cs typeface="+mj-cs"/>
+              </a:defRPr>
+            </a:lvl1pPr>
+          </a:lstStyle>
+          <a:p>
+            <a:r>
+              <a:rPr lang="en-US" dirty="0"/>
+              <a:t>Bullet comments on summary statistics under def #2   </a:t>
+            </a:r>
+          </a:p>
+        </p:txBody>
+      </p:sp>
+      <p:sp>
+        <p:nvSpPr>
+          <p:cNvPr id="10" name="Marcador de contenido 7">
             <a:extLst>
               <a:ext uri="{FF2B5EF4-FFF2-40B4-BE49-F238E27FC236}">
-                <a16:creationId xmlns:a16="http://schemas.microsoft.com/office/drawing/2014/main" id="{9672E757-B6DC-4E58-A3DA-CDCAFED742DA}"/>
+                <a16:creationId xmlns:a16="http://schemas.microsoft.com/office/drawing/2014/main" id="{2EFBF6B7-A6CD-4D7C-BDB4-45F83DD8DE50}"/>
               </a:ext>
             </a:extLst>
           </p:cNvPr>
-          <p:cNvSpPr>
-            <a:spLocks noGrp="1"/>
-          </p:cNvSpPr>
-          <p:nvPr>
-            <p:ph type="ftr" sz="quarter" idx="11"/>
-          </p:nvPr>
-        </p:nvSpPr>
-        <p:spPr/>
-        <p:txBody>
-          <a:bodyPr/>
-          <a:lstStyle/>
-          <a:p>
-            <a:r>
-              <a:rPr lang="en-US"/>
-              <a:t>© 2020, Center for Tax and Budget Accountability </a:t>
-            </a:r>
-            <a:endParaRPr lang="en-US" dirty="0"/>
+          <p:cNvSpPr txBox="1">
+            <a:spLocks noGrp="1"/>
+          </p:cNvSpPr>
+          <p:nvPr>
+            <p:ph sz="quarter" idx="1"/>
+          </p:nvPr>
+        </p:nvSpPr>
+        <p:spPr>
+          <a:xfrm>
+            <a:off x="320040" y="1752600"/>
+            <a:ext cx="8503920" cy="3933384"/>
+          </a:xfrm>
+          <a:prstGeom prst="rect">
+            <a:avLst/>
+          </a:prstGeom>
+          <a:noFill/>
+        </p:spPr>
+        <p:txBody>
+          <a:bodyPr wrap="square" rtlCol="0">
+            <a:spAutoFit/>
+          </a:bodyPr>
+          <a:lstStyle/>
+          <a:p>
+            <a:r>
+              <a:rPr lang="en-US" sz="2400" dirty="0"/>
+              <a:t>Home values, rents, income, and population increase significantly in gentrified tracts according to definition 2</a:t>
+            </a:r>
+          </a:p>
+          <a:p>
+            <a:endParaRPr lang="en-US" sz="2400" dirty="0"/>
+          </a:p>
+          <a:p>
+            <a:r>
+              <a:rPr lang="en-US" sz="2400" dirty="0"/>
+              <a:t>Gentrification locates significantly more in Latino tracts. </a:t>
+            </a:r>
+          </a:p>
+          <a:p>
+            <a:endParaRPr lang="en-US" sz="2400" dirty="0"/>
+          </a:p>
+          <a:p>
+            <a:r>
+              <a:rPr lang="en-US" sz="2400" dirty="0"/>
+              <a:t>Home values increase on average between 13% and 22%, and rents increase between 18% and 20% in gentrified tracts</a:t>
+            </a:r>
+          </a:p>
+          <a:p>
+            <a:endParaRPr lang="en-US" sz="3200" dirty="0"/>
           </a:p>
         </p:txBody>
       </p:sp>
     </p:spTree>
     <p:extLst>
       <p:ext uri="{BB962C8B-B14F-4D97-AF65-F5344CB8AC3E}">
-        <p14:creationId xmlns:p14="http://schemas.microsoft.com/office/powerpoint/2010/main" val="213236666"/>
+        <p14:creationId xmlns:p14="http://schemas.microsoft.com/office/powerpoint/2010/main" val="1572944154"/>
       </p:ext>
     </p:extLst>
   </p:cSld>
@@ -13288,6 +13605,189 @@
       </p:grpSpPr>
       <p:sp>
         <p:nvSpPr>
+          <p:cNvPr id="2" name="Título 1">
+            <a:extLst>
+              <a:ext uri="{FF2B5EF4-FFF2-40B4-BE49-F238E27FC236}">
+                <a16:creationId xmlns:a16="http://schemas.microsoft.com/office/drawing/2014/main" id="{AC6C702B-5CB8-40A3-AF13-3F95588C64F0}"/>
+              </a:ext>
+            </a:extLst>
+          </p:cNvPr>
+          <p:cNvSpPr>
+            <a:spLocks noGrp="1"/>
+          </p:cNvSpPr>
+          <p:nvPr>
+            <p:ph type="title"/>
+          </p:nvPr>
+        </p:nvSpPr>
+        <p:spPr/>
+        <p:txBody>
+          <a:bodyPr/>
+          <a:lstStyle/>
+          <a:p>
+            <a:r>
+              <a:rPr lang="en-US" dirty="0"/>
+              <a:t>Recommendations for legislation </a:t>
+            </a:r>
+          </a:p>
+        </p:txBody>
+      </p:sp>
+      <p:sp>
+        <p:nvSpPr>
+          <p:cNvPr id="3" name="Marcador de fecha 2">
+            <a:extLst>
+              <a:ext uri="{FF2B5EF4-FFF2-40B4-BE49-F238E27FC236}">
+                <a16:creationId xmlns:a16="http://schemas.microsoft.com/office/drawing/2014/main" id="{3E1FB85C-E6E3-4EC2-B6B0-478AE195AC2F}"/>
+              </a:ext>
+            </a:extLst>
+          </p:cNvPr>
+          <p:cNvSpPr>
+            <a:spLocks noGrp="1"/>
+          </p:cNvSpPr>
+          <p:nvPr>
+            <p:ph type="dt" sz="half" idx="10"/>
+          </p:nvPr>
+        </p:nvSpPr>
+        <p:spPr/>
+        <p:txBody>
+          <a:bodyPr/>
+          <a:lstStyle/>
+          <a:p>
+            <a:r>
+              <a:rPr lang="en-US"/>
+              <a:t>July 23, 2020</a:t>
+            </a:r>
+            <a:endParaRPr lang="en-US" dirty="0"/>
+          </a:p>
+        </p:txBody>
+      </p:sp>
+      <p:sp>
+        <p:nvSpPr>
+          <p:cNvPr id="4" name="Marcador de número de diapositiva 3">
+            <a:extLst>
+              <a:ext uri="{FF2B5EF4-FFF2-40B4-BE49-F238E27FC236}">
+                <a16:creationId xmlns:a16="http://schemas.microsoft.com/office/drawing/2014/main" id="{6E2FFF5C-3742-462B-BD30-23A29E5B27C5}"/>
+              </a:ext>
+            </a:extLst>
+          </p:cNvPr>
+          <p:cNvSpPr>
+            <a:spLocks noGrp="1"/>
+          </p:cNvSpPr>
+          <p:nvPr>
+            <p:ph type="sldNum" sz="quarter" idx="12"/>
+          </p:nvPr>
+        </p:nvSpPr>
+        <p:spPr/>
+        <p:txBody>
+          <a:bodyPr/>
+          <a:lstStyle/>
+          <a:p>
+            <a:fld id="{651C0AEC-C19E-4450-A359-804CE30CA635}" type="slidenum">
+              <a:rPr lang="en-US" smtClean="0">
+                <a:solidFill>
+                  <a:srgbClr val="8CADAE">
+                    <a:shade val="75000"/>
+                  </a:srgbClr>
+                </a:solidFill>
+              </a:rPr>
+              <a:pPr/>
+              <a:t>28</a:t>
+            </a:fld>
+            <a:endParaRPr lang="en-US" dirty="0">
+              <a:solidFill>
+                <a:srgbClr val="8CADAE">
+                  <a:shade val="75000"/>
+                </a:srgbClr>
+              </a:solidFill>
+            </a:endParaRPr>
+          </a:p>
+        </p:txBody>
+      </p:sp>
+      <p:sp>
+        <p:nvSpPr>
+          <p:cNvPr id="5" name="Marcador de contenido 4">
+            <a:extLst>
+              <a:ext uri="{FF2B5EF4-FFF2-40B4-BE49-F238E27FC236}">
+                <a16:creationId xmlns:a16="http://schemas.microsoft.com/office/drawing/2014/main" id="{ABE1A2D2-31CB-4432-A928-6C9A5FC1D964}"/>
+              </a:ext>
+            </a:extLst>
+          </p:cNvPr>
+          <p:cNvSpPr>
+            <a:spLocks noGrp="1"/>
+          </p:cNvSpPr>
+          <p:nvPr>
+            <p:ph sz="quarter" idx="1"/>
+          </p:nvPr>
+        </p:nvSpPr>
+        <p:spPr/>
+        <p:txBody>
+          <a:bodyPr/>
+          <a:lstStyle/>
+          <a:p>
+            <a:endParaRPr lang="en-US"/>
+          </a:p>
+        </p:txBody>
+      </p:sp>
+      <p:sp>
+        <p:nvSpPr>
+          <p:cNvPr id="6" name="Marcador de pie de página 5">
+            <a:extLst>
+              <a:ext uri="{FF2B5EF4-FFF2-40B4-BE49-F238E27FC236}">
+                <a16:creationId xmlns:a16="http://schemas.microsoft.com/office/drawing/2014/main" id="{9672E757-B6DC-4E58-A3DA-CDCAFED742DA}"/>
+              </a:ext>
+            </a:extLst>
+          </p:cNvPr>
+          <p:cNvSpPr>
+            <a:spLocks noGrp="1"/>
+          </p:cNvSpPr>
+          <p:nvPr>
+            <p:ph type="ftr" sz="quarter" idx="11"/>
+          </p:nvPr>
+        </p:nvSpPr>
+        <p:spPr/>
+        <p:txBody>
+          <a:bodyPr/>
+          <a:lstStyle/>
+          <a:p>
+            <a:r>
+              <a:rPr lang="en-US"/>
+              <a:t>© 2020, Center for Tax and Budget Accountability </a:t>
+            </a:r>
+            <a:endParaRPr lang="en-US" dirty="0"/>
+          </a:p>
+        </p:txBody>
+      </p:sp>
+    </p:spTree>
+    <p:extLst>
+      <p:ext uri="{BB962C8B-B14F-4D97-AF65-F5344CB8AC3E}">
+        <p14:creationId xmlns:p14="http://schemas.microsoft.com/office/powerpoint/2010/main" val="213236666"/>
+      </p:ext>
+    </p:extLst>
+  </p:cSld>
+  <p:clrMapOvr>
+    <a:masterClrMapping/>
+  </p:clrMapOvr>
+</p:sld>
+</file>
+
+<file path=ppt/slides/slide29.xml><?xml version="1.0" encoding="utf-8"?>
+<p:sld xmlns:a="http://schemas.openxmlformats.org/drawingml/2006/main" xmlns:r="http://schemas.openxmlformats.org/officeDocument/2006/relationships" xmlns:p="http://schemas.openxmlformats.org/presentationml/2006/main">
+  <p:cSld>
+    <p:spTree>
+      <p:nvGrpSpPr>
+        <p:cNvPr id="1" name=""/>
+        <p:cNvGrpSpPr/>
+        <p:nvPr/>
+      </p:nvGrpSpPr>
+      <p:grpSpPr>
+        <a:xfrm>
+          <a:off x="0" y="0"/>
+          <a:ext cx="0" cy="0"/>
+          <a:chOff x="0" y="0"/>
+          <a:chExt cx="0" cy="0"/>
+        </a:xfrm>
+      </p:grpSpPr>
+      <p:sp>
+        <p:nvSpPr>
           <p:cNvPr id="2" name="Title 1"/>
           <p:cNvSpPr>
             <a:spLocks noGrp="1"/>
@@ -13338,8 +13838,135 @@
               <a:buNone/>
             </a:pPr>
             <a:r>
-              <a:rPr lang="en-US" dirty="0"/>
-              <a:t>Ralph Martire</a:t>
+              <a:rPr lang="en-US" sz="2000" dirty="0"/>
+              <a:t>		</a:t>
+            </a:r>
+            <a:endParaRPr lang="en-US" dirty="0"/>
+          </a:p>
+          <a:p>
+            <a:pPr lvl="0">
+              <a:buClr>
+                <a:srgbClr val="D16349"/>
+              </a:buClr>
+              <a:buNone/>
+            </a:pPr>
+            <a:r>
+              <a:rPr lang="en-US" dirty="0" err="1">
+                <a:solidFill>
+                  <a:prstClr val="black"/>
+                </a:solidFill>
+              </a:rPr>
+              <a:t>Drazzel</a:t>
+            </a:r>
+            <a:r>
+              <a:rPr lang="en-US" dirty="0">
+                <a:solidFill>
+                  <a:prstClr val="black"/>
+                </a:solidFill>
+              </a:rPr>
+              <a:t> </a:t>
+            </a:r>
+            <a:r>
+              <a:rPr lang="en-US" dirty="0" err="1">
+                <a:solidFill>
+                  <a:prstClr val="black"/>
+                </a:solidFill>
+              </a:rPr>
+              <a:t>Feliu</a:t>
+            </a:r>
+            <a:endParaRPr lang="en-US" dirty="0">
+              <a:solidFill>
+                <a:prstClr val="black"/>
+              </a:solidFill>
+            </a:endParaRPr>
+          </a:p>
+          <a:p>
+            <a:pPr lvl="0">
+              <a:buClr>
+                <a:srgbClr val="D16349"/>
+              </a:buClr>
+              <a:buNone/>
+            </a:pPr>
+            <a:r>
+              <a:rPr lang="en-US" sz="2000" dirty="0">
+                <a:solidFill>
+                  <a:prstClr val="black"/>
+                </a:solidFill>
+              </a:rPr>
+              <a:t>		Research Director, Center for Tax and Budget Accountability</a:t>
+            </a:r>
+            <a:r>
+              <a:rPr lang="en-US" sz="1400" dirty="0">
+                <a:solidFill>
+                  <a:prstClr val="black"/>
+                </a:solidFill>
+              </a:rPr>
+              <a:t>	</a:t>
+            </a:r>
+          </a:p>
+          <a:p>
+            <a:pPr lvl="0">
+              <a:buClr>
+                <a:srgbClr val="D16349"/>
+              </a:buClr>
+              <a:buNone/>
+            </a:pPr>
+            <a:r>
+              <a:rPr lang="en-US" sz="2000" dirty="0">
+                <a:solidFill>
+                  <a:prstClr val="black"/>
+                </a:solidFill>
+              </a:rPr>
+              <a:t>		(312) 332-2151</a:t>
+            </a:r>
+          </a:p>
+          <a:p>
+            <a:pPr lvl="0">
+              <a:buClr>
+                <a:srgbClr val="D16349"/>
+              </a:buClr>
+              <a:buNone/>
+            </a:pPr>
+            <a:r>
+              <a:rPr lang="en-US" sz="2000" dirty="0">
+                <a:solidFill>
+                  <a:prstClr val="black"/>
+                </a:solidFill>
+              </a:rPr>
+              <a:t>		</a:t>
+            </a:r>
+            <a:r>
+              <a:rPr lang="en-US" sz="2000" dirty="0">
+                <a:solidFill>
+                  <a:prstClr val="black"/>
+                </a:solidFill>
+                <a:hlinkClick r:id="rId3"/>
+              </a:rPr>
+              <a:t>dfeliu@ctbaonline.org</a:t>
+            </a:r>
+            <a:r>
+              <a:rPr lang="en-US" sz="2000" dirty="0">
+                <a:solidFill>
+                  <a:prstClr val="black"/>
+                </a:solidFill>
+              </a:rPr>
+              <a:t> </a:t>
+            </a:r>
+          </a:p>
+          <a:p>
+            <a:pPr>
+              <a:buClr>
+                <a:srgbClr val="D16349"/>
+              </a:buClr>
+              <a:buNone/>
+            </a:pPr>
+            <a:r>
+              <a:rPr lang="en-US" dirty="0">
+                <a:solidFill>
+                  <a:prstClr val="black"/>
+                </a:solidFill>
+              </a:rPr>
+              <a:t>Fernando Garcia</a:t>
             </a:r>
           </a:p>
           <a:p>
@@ -13350,12 +13977,8 @@
               <a:buNone/>
             </a:pPr>
             <a:r>
-              <a:rPr lang="en-US" dirty="0"/>
-              <a:t>		</a:t>
-            </a:r>
-            <a:r>
               <a:rPr lang="en-US" sz="2000" dirty="0"/>
-              <a:t>Executive Director, Center for Tax and Budget Accountability and </a:t>
+              <a:t>		Research Intern, Center for Tax and Budget Accountability and </a:t>
             </a:r>
           </a:p>
           <a:p>
@@ -13367,16 +13990,13 @@
             </a:pPr>
             <a:r>
               <a:rPr lang="en-US" sz="2000" dirty="0"/>
-              <a:t>		Arthur </a:t>
-            </a:r>
-            <a:r>
-              <a:rPr lang="en-US" sz="2000" dirty="0" err="1"/>
-              <a:t>Rubloff</a:t>
-            </a:r>
-            <a:r>
-              <a:rPr lang="en-US" sz="2000" dirty="0"/>
-              <a:t> Endowed Professor of Public Policy </a:t>
-            </a:r>
+              <a:t>		MPP Candidate at Harris School of </a:t>
+            </a:r>
+            <a:r>
+              <a:rPr lang="en-US" sz="2000"/>
+              <a:t>Public Policy</a:t>
+            </a:r>
+            <a:endParaRPr lang="en-US" sz="2000" dirty="0"/>
           </a:p>
           <a:p>
             <a:pPr>
@@ -13389,19 +14009,14 @@
               <a:rPr lang="en-US" sz="2000" dirty="0"/>
               <a:t>		at Roosevelt University</a:t>
             </a:r>
-            <a:endParaRPr lang="en-US" dirty="0"/>
           </a:p>
           <a:p>
             <a:pPr>
               <a:buNone/>
             </a:pPr>
             <a:r>
-              <a:rPr lang="en-US" dirty="0"/>
-              <a:t>		</a:t>
-            </a:r>
-            <a:r>
               <a:rPr lang="en-US" sz="2000" dirty="0"/>
-              <a:t>(312) 332-1049</a:t>
+              <a:t>		(312) 332-1049</a:t>
             </a:r>
           </a:p>
           <a:p>
@@ -13414,21 +14029,27 @@
             </a:r>
             <a:r>
               <a:rPr lang="en-US" sz="2000" dirty="0">
-                <a:hlinkClick r:id="rId3"/>
+                <a:solidFill>
+                  <a:prstClr val="black"/>
+                </a:solidFill>
+                <a:hlinkClick r:id="rId4">
+                  <a:extLst>
+                    <a:ext uri="{A12FA001-AC4F-418D-AE19-62706E023703}">
+                      <ahyp:hlinkClr xmlns:ahyp="http://schemas.microsoft.com/office/drawing/2018/hyperlinkcolor" val="tx"/>
+                    </a:ext>
+                  </a:extLst>
+                </a:hlinkClick>
               </a:rPr>
-              <a:t>rmartire@ctbaonline.org</a:t>
-            </a:r>
-            <a:endParaRPr lang="en-US" sz="2000" dirty="0"/>
-          </a:p>
-          <a:p>
-            <a:pPr>
-              <a:buNone/>
-            </a:pPr>
-            <a:r>
-              <a:rPr lang="en-US" sz="2000" dirty="0"/>
-              <a:t>		</a:t>
-            </a:r>
-            <a:endParaRPr lang="en-US" dirty="0"/>
+              <a:t>garciaf@</a:t>
+            </a:r>
+            <a:r>
+              <a:rPr lang="en-US" sz="2000" dirty="0">
+                <a:solidFill>
+                  <a:prstClr val="black"/>
+                </a:solidFill>
+              </a:rPr>
+              <a:t>uchicago.edu</a:t>
+            </a:r>
           </a:p>
           <a:p>
             <a:pPr lvl="0">
@@ -13437,87 +14058,6 @@
               </a:buClr>
               <a:buNone/>
             </a:pPr>
-            <a:r>
-              <a:rPr lang="en-US" dirty="0">
-                <a:solidFill>
-                  <a:prstClr val="black"/>
-                </a:solidFill>
-              </a:rPr>
-              <a:t>Drazzel Feliu</a:t>
-            </a:r>
-          </a:p>
-          <a:p>
-            <a:pPr lvl="0">
-              <a:buClr>
-                <a:srgbClr val="D16349"/>
-              </a:buClr>
-              <a:buNone/>
-            </a:pPr>
-            <a:r>
-              <a:rPr lang="en-US" sz="2000" dirty="0">
-                <a:solidFill>
-                  <a:prstClr val="black"/>
-                </a:solidFill>
-              </a:rPr>
-              <a:t>		Research Director, Center for Tax and Budget Accountability</a:t>
-            </a:r>
-            <a:r>
-              <a:rPr lang="en-US" sz="1400" dirty="0">
-                <a:solidFill>
-                  <a:prstClr val="black"/>
-                </a:solidFill>
-              </a:rPr>
-              <a:t>	</a:t>
-            </a:r>
-          </a:p>
-          <a:p>
-            <a:pPr lvl="0">
-              <a:buClr>
-                <a:srgbClr val="D16349"/>
-              </a:buClr>
-              <a:buNone/>
-            </a:pPr>
-            <a:r>
-              <a:rPr lang="en-US" sz="2000" dirty="0">
-                <a:solidFill>
-                  <a:prstClr val="black"/>
-                </a:solidFill>
-              </a:rPr>
-              <a:t>		(312) 332-2151</a:t>
-            </a:r>
-          </a:p>
-          <a:p>
-            <a:pPr lvl="0">
-              <a:buClr>
-                <a:srgbClr val="D16349"/>
-              </a:buClr>
-              <a:buNone/>
-            </a:pPr>
-            <a:r>
-              <a:rPr lang="en-US" sz="2000" dirty="0">
-                <a:solidFill>
-                  <a:prstClr val="black"/>
-                </a:solidFill>
-              </a:rPr>
-              <a:t>		</a:t>
-            </a:r>
-            <a:r>
-              <a:rPr lang="en-US" sz="2000" dirty="0">
-                <a:solidFill>
-                  <a:prstClr val="black"/>
-                </a:solidFill>
-                <a:hlinkClick r:id="rId4"/>
-              </a:rPr>
-              <a:t>dfeliu@ctbaonline.org</a:t>
-            </a:r>
-            <a:r>
-              <a:rPr lang="en-US" sz="2000" dirty="0">
-                <a:solidFill>
-                  <a:prstClr val="black"/>
-                </a:solidFill>
-              </a:rPr>
-              <a:t> </a:t>
-            </a:r>
             <a:endParaRPr lang="en-US" sz="2000" dirty="0"/>
           </a:p>
           <a:p>
@@ -13687,7 +14227,7 @@
                 </a:solidFill>
               </a:rPr>
               <a:pPr/>
-              <a:t>28</a:t>
+              <a:t>29</a:t>
             </a:fld>
             <a:endParaRPr lang="en-US" dirty="0">
               <a:solidFill>
@@ -13848,10 +14388,184 @@
         </p:nvSpPr>
         <p:spPr/>
         <p:txBody>
-          <a:bodyPr/>
-          <a:lstStyle/>
-          <a:p>
-            <a:endParaRPr lang="en-US"/>
+          <a:bodyPr>
+            <a:normAutofit fontScale="92500" lnSpcReduction="20000"/>
+          </a:bodyPr>
+          <a:lstStyle/>
+          <a:p>
+            <a:pPr marL="342900" marR="0" lvl="0" indent="-342900" algn="just">
+              <a:lnSpc>
+                <a:spcPct val="107000"/>
+              </a:lnSpc>
+              <a:spcBef>
+                <a:spcPts val="0"/>
+              </a:spcBef>
+              <a:spcAft>
+                <a:spcPts val="0"/>
+              </a:spcAft>
+              <a:buFont typeface="+mj-lt"/>
+              <a:buAutoNum type="arabicPeriod"/>
+            </a:pPr>
+            <a:r>
+              <a:rPr lang="en-US" sz="2200" dirty="0">
+                <a:effectLst/>
+                <a:latin typeface="Georgia (Cuerpo)"/>
+                <a:ea typeface="Calibri" panose="020F0502020204030204" pitchFamily="34" charset="0"/>
+                <a:cs typeface="Times New Roman" panose="02020603050405020304" pitchFamily="18" charset="0"/>
+              </a:rPr>
+              <a:t>10 + years as a principal residence and domicile or who, at least 5 continuous years if that person received assistance in the acquisition of the property as part of a government or nonprofit housing program</a:t>
+            </a:r>
+          </a:p>
+          <a:p>
+            <a:pPr marL="342900" marR="0" lvl="0" indent="-342900" algn="just">
+              <a:lnSpc>
+                <a:spcPct val="107000"/>
+              </a:lnSpc>
+              <a:spcBef>
+                <a:spcPts val="0"/>
+              </a:spcBef>
+              <a:spcAft>
+                <a:spcPts val="0"/>
+              </a:spcAft>
+              <a:buFont typeface="+mj-lt"/>
+              <a:buAutoNum type="arabicPeriod"/>
+            </a:pPr>
+            <a:r>
+              <a:rPr lang="en-US" sz="2200" dirty="0">
+                <a:latin typeface="Georgia (Cuerpo)"/>
+                <a:ea typeface="Calibri" panose="020F0502020204030204" pitchFamily="34" charset="0"/>
+                <a:cs typeface="Times New Roman" panose="02020603050405020304" pitchFamily="18" charset="0"/>
+              </a:rPr>
+              <a:t>H</a:t>
+            </a:r>
+            <a:r>
+              <a:rPr lang="en-US" sz="2200" dirty="0">
+                <a:effectLst/>
+                <a:latin typeface="Georgia (Cuerpo)"/>
+                <a:ea typeface="Calibri" panose="020F0502020204030204" pitchFamily="34" charset="0"/>
+                <a:cs typeface="Times New Roman" panose="02020603050405020304" pitchFamily="18" charset="0"/>
+              </a:rPr>
+              <a:t>ousehold income of $100,000 or less</a:t>
+            </a:r>
+          </a:p>
+          <a:p>
+            <a:pPr marL="342900" marR="0" lvl="0" indent="-342900" algn="just">
+              <a:lnSpc>
+                <a:spcPct val="107000"/>
+              </a:lnSpc>
+              <a:spcBef>
+                <a:spcPts val="0"/>
+              </a:spcBef>
+              <a:spcAft>
+                <a:spcPts val="0"/>
+              </a:spcAft>
+              <a:buFont typeface="+mj-lt"/>
+              <a:buAutoNum type="arabicPeriod"/>
+            </a:pPr>
+            <a:r>
+              <a:rPr lang="en-US" sz="2200" dirty="0">
+                <a:effectLst/>
+                <a:latin typeface="Georgia (Cuerpo)"/>
+                <a:ea typeface="Calibri" panose="020F0502020204030204" pitchFamily="34" charset="0"/>
+                <a:cs typeface="Times New Roman" panose="02020603050405020304" pitchFamily="18" charset="0"/>
+              </a:rPr>
+              <a:t>“Adjusted Homestead Value”: the lesser of the following property’s base homestead value increase</a:t>
+            </a:r>
+          </a:p>
+          <a:p>
+            <a:pPr marL="742950" marR="0" lvl="1" indent="-285750" algn="just">
+              <a:lnSpc>
+                <a:spcPct val="107000"/>
+              </a:lnSpc>
+              <a:spcBef>
+                <a:spcPts val="0"/>
+              </a:spcBef>
+              <a:spcAft>
+                <a:spcPts val="0"/>
+              </a:spcAft>
+              <a:buFont typeface="+mj-lt"/>
+              <a:buAutoNum type="alphaLcPeriod"/>
+            </a:pPr>
+            <a:r>
+              <a:rPr lang="en-US" dirty="0">
+                <a:effectLst/>
+                <a:latin typeface="Georgia (Cuerpo)"/>
+                <a:ea typeface="Calibri" panose="020F0502020204030204" pitchFamily="34" charset="0"/>
+                <a:cs typeface="Times New Roman" panose="02020603050405020304" pitchFamily="18" charset="0"/>
+              </a:rPr>
+              <a:t>10% increase for each taxable year after the base year for qualified taxpayers with a household income of more than $75,000 but not exceeding $100,000; or</a:t>
+            </a:r>
+          </a:p>
+          <a:p>
+            <a:pPr marL="742950" marR="0" lvl="1" indent="-285750" algn="just">
+              <a:lnSpc>
+                <a:spcPct val="107000"/>
+              </a:lnSpc>
+              <a:spcBef>
+                <a:spcPts val="0"/>
+              </a:spcBef>
+              <a:spcAft>
+                <a:spcPts val="0"/>
+              </a:spcAft>
+              <a:buFont typeface="+mj-lt"/>
+              <a:buAutoNum type="alphaLcPeriod"/>
+            </a:pPr>
+            <a:r>
+              <a:rPr lang="en-US" dirty="0">
+                <a:effectLst/>
+                <a:latin typeface="Georgia (Cuerpo)"/>
+                <a:ea typeface="Calibri" panose="020F0502020204030204" pitchFamily="34" charset="0"/>
+                <a:cs typeface="Times New Roman" panose="02020603050405020304" pitchFamily="18" charset="0"/>
+              </a:rPr>
+              <a:t>7% increase for each taxable year after the base year for qualified taxpayers with a household income of $75,000 or less</a:t>
+            </a:r>
+            <a:r>
+              <a:rPr lang="en-US" baseline="30000" dirty="0">
+                <a:effectLst/>
+                <a:latin typeface="Georgia (Cuerpo)"/>
+                <a:ea typeface="Calibri" panose="020F0502020204030204" pitchFamily="34" charset="0"/>
+                <a:cs typeface="Times New Roman" panose="02020603050405020304" pitchFamily="18" charset="0"/>
+              </a:rPr>
+              <a:t>1</a:t>
+            </a:r>
+            <a:r>
+              <a:rPr lang="en-US" dirty="0">
+                <a:effectLst/>
+                <a:latin typeface="Georgia (Cuerpo)"/>
+                <a:ea typeface="Calibri" panose="020F0502020204030204" pitchFamily="34" charset="0"/>
+                <a:cs typeface="Times New Roman" panose="02020603050405020304" pitchFamily="18" charset="0"/>
+              </a:rPr>
+              <a:t>, or</a:t>
+            </a:r>
+          </a:p>
+          <a:p>
+            <a:pPr marL="742950" marR="0" lvl="1" indent="-285750" algn="just">
+              <a:lnSpc>
+                <a:spcPct val="107000"/>
+              </a:lnSpc>
+              <a:spcBef>
+                <a:spcPts val="0"/>
+              </a:spcBef>
+              <a:spcAft>
+                <a:spcPts val="800"/>
+              </a:spcAft>
+              <a:buFont typeface="+mj-lt"/>
+              <a:buAutoNum type="alphaLcPeriod"/>
+            </a:pPr>
+            <a:r>
+              <a:rPr lang="en-US" dirty="0">
+                <a:effectLst/>
+                <a:latin typeface="Georgia (Cuerpo)"/>
+                <a:ea typeface="Calibri" panose="020F0502020204030204" pitchFamily="34" charset="0"/>
+                <a:cs typeface="Times New Roman" panose="02020603050405020304" pitchFamily="18" charset="0"/>
+              </a:rPr>
+              <a:t>The property's equalized assessed value (EAV) for the current tax year minus the general homestead deduction, which the latter is the EAV for the current assessment year above the equalized assessed value of the property for 1977 with maximum reduction of $10,000</a:t>
+            </a:r>
+          </a:p>
+          <a:p>
+            <a:endParaRPr lang="en-US" sz="4000" dirty="0">
+              <a:latin typeface="Georgia (Cuerpo)"/>
+            </a:endParaRPr>
           </a:p>
         </p:txBody>
       </p:sp>
@@ -14421,8 +15135,8 @@
         </p:nvSpPr>
         <p:spPr>
           <a:xfrm>
-            <a:off x="457200" y="2284274"/>
-            <a:ext cx="8153400" cy="1754326"/>
+            <a:off x="533400" y="2503944"/>
+            <a:ext cx="8153400" cy="2677656"/>
           </a:xfrm>
           <a:prstGeom prst="rect">
             <a:avLst/>
@@ -14436,41 +15150,41 @@
           <a:lstStyle/>
           <a:p>
             <a:r>
-              <a:rPr lang="en-US" u="sng" dirty="0"/>
+              <a:rPr lang="en-US" sz="2400" u="sng" dirty="0"/>
               <a:t>Definition 1</a:t>
             </a:r>
             <a:r>
-              <a:rPr lang="en-US" dirty="0"/>
+              <a:rPr lang="en-US" sz="2400" dirty="0"/>
               <a:t>: we use Tracts that experienced large positive changes (75</a:t>
             </a:r>
             <a:r>
-              <a:rPr lang="en-US" baseline="30000" dirty="0"/>
+              <a:rPr lang="en-US" sz="2400" baseline="30000" dirty="0"/>
               <a:t>th</a:t>
             </a:r>
             <a:r>
-              <a:rPr lang="en-US" dirty="0"/>
+              <a:rPr lang="en-US" sz="2400" dirty="0"/>
               <a:t> and 90</a:t>
             </a:r>
             <a:r>
-              <a:rPr lang="en-US" baseline="30000" dirty="0"/>
+              <a:rPr lang="en-US" sz="2400" baseline="30000" dirty="0"/>
               <a:t>th</a:t>
             </a:r>
             <a:r>
-              <a:rPr lang="en-US" dirty="0"/>
+              <a:rPr lang="en-US" sz="2400" dirty="0"/>
               <a:t> percentiles) in population aged+25 with a Bachelor Degree or Higher</a:t>
             </a:r>
           </a:p>
           <a:p>
-            <a:endParaRPr lang="en-US" dirty="0"/>
-          </a:p>
-          <a:p>
-            <a:endParaRPr lang="en-US" dirty="0"/>
-          </a:p>
-          <a:p>
-            <a:endParaRPr lang="en-US" dirty="0"/>
-          </a:p>
-          <a:p>
-            <a:endParaRPr lang="en-US" dirty="0"/>
+            <a:endParaRPr lang="en-US" sz="2400" dirty="0"/>
+          </a:p>
+          <a:p>
+            <a:endParaRPr lang="en-US" sz="2400" dirty="0"/>
+          </a:p>
+          <a:p>
+            <a:endParaRPr lang="en-US" sz="2400" dirty="0"/>
+          </a:p>
+          <a:p>
+            <a:endParaRPr lang="en-US" sz="2400" dirty="0"/>
           </a:p>
         </p:txBody>
       </p:sp>
@@ -14495,8 +15209,8 @@
         </p:blipFill>
         <p:spPr>
           <a:xfrm>
-            <a:off x="2196335" y="3044634"/>
-            <a:ext cx="3671065" cy="917766"/>
+            <a:off x="2022073" y="3968384"/>
+            <a:ext cx="5093757" cy="1273439"/>
           </a:xfrm>
           <a:prstGeom prst="rect">
             <a:avLst/>
@@ -14517,8 +15231,8 @@
         </p:nvSpPr>
         <p:spPr>
           <a:xfrm>
-            <a:off x="457200" y="1524000"/>
-            <a:ext cx="8077200" cy="2031325"/>
+            <a:off x="533400" y="1513344"/>
+            <a:ext cx="8077200" cy="2677656"/>
           </a:xfrm>
           <a:prstGeom prst="rect">
             <a:avLst/>
@@ -14532,32 +15246,32 @@
           <a:lstStyle/>
           <a:p>
             <a:r>
-              <a:rPr lang="en-US" dirty="0"/>
+              <a:rPr lang="en-US" sz="2400" dirty="0"/>
               <a:t>In order to be considered a “</a:t>
             </a:r>
             <a:r>
-              <a:rPr lang="en-US" dirty="0" err="1"/>
+              <a:rPr lang="en-US" sz="2400" dirty="0" err="1"/>
               <a:t>gentriﬁable</a:t>
             </a:r>
             <a:r>
-              <a:rPr lang="en-US" dirty="0"/>
+              <a:rPr lang="en-US" sz="2400" dirty="0"/>
               <a:t>” tract, household income must be below the median in 2013 ($58,676).</a:t>
             </a:r>
           </a:p>
           <a:p>
-            <a:endParaRPr lang="en-US" dirty="0"/>
-          </a:p>
-          <a:p>
-            <a:endParaRPr lang="en-US" dirty="0"/>
-          </a:p>
-          <a:p>
-            <a:endParaRPr lang="en-US" dirty="0"/>
-          </a:p>
-          <a:p>
-            <a:endParaRPr lang="en-US" dirty="0"/>
-          </a:p>
-          <a:p>
-            <a:endParaRPr lang="en-US" dirty="0"/>
+            <a:endParaRPr lang="en-US" sz="2400" dirty="0"/>
+          </a:p>
+          <a:p>
+            <a:endParaRPr lang="en-US" sz="2400" dirty="0"/>
+          </a:p>
+          <a:p>
+            <a:endParaRPr lang="en-US" sz="2400" dirty="0"/>
+          </a:p>
+          <a:p>
+            <a:endParaRPr lang="en-US" sz="2400" dirty="0"/>
+          </a:p>
+          <a:p>
+            <a:endParaRPr lang="en-US" sz="2400" dirty="0"/>
           </a:p>
         </p:txBody>
       </p:sp>
@@ -14795,8 +15509,8 @@
         </p:blipFill>
         <p:spPr>
           <a:xfrm>
-            <a:off x="3102864" y="3124200"/>
-            <a:ext cx="2974848" cy="882598"/>
+            <a:off x="2341900" y="3200400"/>
+            <a:ext cx="4460199" cy="1323282"/>
           </a:xfrm>
           <a:prstGeom prst="rect">
             <a:avLst/>
@@ -14952,31 +15666,6 @@
       </p:sp>
       <p:sp>
         <p:nvSpPr>
-          <p:cNvPr id="5" name="Marcador de contenido 4">
-            <a:extLst>
-              <a:ext uri="{FF2B5EF4-FFF2-40B4-BE49-F238E27FC236}">
-                <a16:creationId xmlns:a16="http://schemas.microsoft.com/office/drawing/2014/main" id="{C563077D-AB56-4F19-9B76-9327487BDCC6}"/>
-              </a:ext>
-            </a:extLst>
-          </p:cNvPr>
-          <p:cNvSpPr>
-            <a:spLocks noGrp="1"/>
-          </p:cNvSpPr>
-          <p:nvPr>
-            <p:ph sz="quarter" idx="1"/>
-          </p:nvPr>
-        </p:nvSpPr>
-        <p:spPr/>
-        <p:txBody>
-          <a:bodyPr/>
-          <a:lstStyle/>
-          <a:p>
-            <a:endParaRPr lang="en-US" dirty="0"/>
-          </a:p>
-        </p:txBody>
-      </p:sp>
-      <p:sp>
-        <p:nvSpPr>
           <p:cNvPr id="6" name="Marcador de pie de página 5">
             <a:extLst>
               <a:ext uri="{FF2B5EF4-FFF2-40B4-BE49-F238E27FC236}">
@@ -15004,6 +15693,125 @@
           </a:p>
         </p:txBody>
       </p:sp>
+      <p:sp>
+        <p:nvSpPr>
+          <p:cNvPr id="7" name="AutoShape 2">
+            <a:extLst>
+              <a:ext uri="{FF2B5EF4-FFF2-40B4-BE49-F238E27FC236}">
+                <a16:creationId xmlns:a16="http://schemas.microsoft.com/office/drawing/2014/main" id="{E4D6280E-40FD-4F63-908E-7ADEFCB68D25}"/>
+              </a:ext>
+            </a:extLst>
+          </p:cNvPr>
+          <p:cNvSpPr>
+            <a:spLocks noChangeAspect="1" noChangeArrowheads="1"/>
+          </p:cNvSpPr>
+          <p:nvPr/>
+        </p:nvSpPr>
+        <p:spPr bwMode="auto">
+          <a:xfrm>
+            <a:off x="4419600" y="3276600"/>
+            <a:ext cx="304800" cy="304800"/>
+          </a:xfrm>
+          <a:prstGeom prst="rect">
+            <a:avLst/>
+          </a:prstGeom>
+          <a:noFill/>
+          <a:extLst>
+            <a:ext uri="{909E8E84-426E-40DD-AFC4-6F175D3DCCD1}">
+              <a14:hiddenFill xmlns:a14="http://schemas.microsoft.com/office/drawing/2010/main">
+                <a:solidFill>
+                  <a:srgbClr val="FFFFFF"/>
+                </a:solidFill>
+              </a14:hiddenFill>
+            </a:ext>
+          </a:extLst>
+        </p:spPr>
+        <p:txBody>
+          <a:bodyPr vert="horz" wrap="square" lIns="91440" tIns="45720" rIns="91440" bIns="45720" numCol="1" anchor="t" anchorCtr="0" compatLnSpc="1">
+            <a:prstTxWarp prst="textNoShape">
+              <a:avLst/>
+            </a:prstTxWarp>
+          </a:bodyPr>
+          <a:lstStyle/>
+          <a:p>
+            <a:endParaRPr lang="en-US"/>
+          </a:p>
+        </p:txBody>
+      </p:sp>
+      <p:sp>
+        <p:nvSpPr>
+          <p:cNvPr id="10" name="AutoShape 8">
+            <a:extLst>
+              <a:ext uri="{FF2B5EF4-FFF2-40B4-BE49-F238E27FC236}">
+                <a16:creationId xmlns:a16="http://schemas.microsoft.com/office/drawing/2014/main" id="{CE92E6DD-576A-4391-8E3D-A8A9C32826F6}"/>
+              </a:ext>
+            </a:extLst>
+          </p:cNvPr>
+          <p:cNvSpPr>
+            <a:spLocks noChangeAspect="1" noChangeArrowheads="1"/>
+          </p:cNvSpPr>
+          <p:nvPr/>
+        </p:nvSpPr>
+        <p:spPr bwMode="auto">
+          <a:xfrm>
+            <a:off x="4572000" y="3429000"/>
+            <a:ext cx="304800" cy="304800"/>
+          </a:xfrm>
+          <a:prstGeom prst="rect">
+            <a:avLst/>
+          </a:prstGeom>
+          <a:noFill/>
+          <a:extLst>
+            <a:ext uri="{909E8E84-426E-40DD-AFC4-6F175D3DCCD1}">
+              <a14:hiddenFill xmlns:a14="http://schemas.microsoft.com/office/drawing/2010/main">
+                <a:solidFill>
+                  <a:srgbClr val="FFFFFF"/>
+                </a:solidFill>
+              </a14:hiddenFill>
+            </a:ext>
+          </a:extLst>
+        </p:spPr>
+        <p:txBody>
+          <a:bodyPr vert="horz" wrap="square" lIns="91440" tIns="45720" rIns="91440" bIns="45720" numCol="1" anchor="t" anchorCtr="0" compatLnSpc="1">
+            <a:prstTxWarp prst="textNoShape">
+              <a:avLst/>
+            </a:prstTxWarp>
+          </a:bodyPr>
+          <a:lstStyle/>
+          <a:p>
+            <a:endParaRPr lang="en-US"/>
+          </a:p>
+        </p:txBody>
+      </p:sp>
+      <p:pic>
+        <p:nvPicPr>
+          <p:cNvPr id="14" name="Imagen 13">
+            <a:extLst>
+              <a:ext uri="{FF2B5EF4-FFF2-40B4-BE49-F238E27FC236}">
+                <a16:creationId xmlns:a16="http://schemas.microsoft.com/office/drawing/2014/main" id="{50AD4AE0-2CD4-4FB1-8A8C-2FB9847E9FDB}"/>
+              </a:ext>
+            </a:extLst>
+          </p:cNvPr>
+          <p:cNvPicPr>
+            <a:picLocks noChangeAspect="1"/>
+          </p:cNvPicPr>
+          <p:nvPr/>
+        </p:nvPicPr>
+        <p:blipFill rotWithShape="1">
+          <a:blip r:embed="rId2"/>
+          <a:srcRect l="6666" t="20371" r="38333" b="15926"/>
+          <a:stretch/>
+        </p:blipFill>
+        <p:spPr>
+          <a:xfrm>
+            <a:off x="1054402" y="1600200"/>
+            <a:ext cx="7029099" cy="4579564"/>
+          </a:xfrm>
+          <a:prstGeom prst="rect">
+            <a:avLst/>
+          </a:prstGeom>
+        </p:spPr>
+      </p:pic>
     </p:spTree>
     <p:extLst>
       <p:ext uri="{BB962C8B-B14F-4D97-AF65-F5344CB8AC3E}">
